--- a/Presentation.pptx
+++ b/Presentation.pptx
@@ -247,7 +247,7 @@
           <a:p>
             <a:fld id="{78D5E657-C75E-4190-B3C3-105C9C4260DF}" type="datetimeFigureOut">
               <a:rPr lang="en-AU" smtClean="0"/>
-              <a:t>24/05/2015</a:t>
+              <a:t>25/05/2015</a:t>
             </a:fld>
             <a:endParaRPr lang="en-AU"/>
           </a:p>
@@ -412,7 +412,7 @@
           <a:p>
             <a:fld id="{B2842A88-9C46-4A82-BC64-6521039314F7}" type="datetimeFigureOut">
               <a:rPr lang="en-AU" smtClean="0"/>
-              <a:t>24/05/2015</a:t>
+              <a:t>25/05/2015</a:t>
             </a:fld>
             <a:endParaRPr lang="en-AU"/>
           </a:p>
@@ -1338,7 +1338,7 @@
             <a:fld id="{D5202F35-1E60-44E7-A8CA-65A043171768}" type="datetime1">
               <a:rPr lang="en-AU" smtClean="0"/>
               <a:pPr/>
-              <a:t>24/05/2015</a:t>
+              <a:t>25/05/2015</a:t>
             </a:fld>
             <a:endParaRPr lang="en-AU"/>
           </a:p>
@@ -2533,7 +2533,7 @@
           <a:p>
             <a:fld id="{81365592-B95A-4E1B-8688-B9BAC9237151}" type="datetime1">
               <a:rPr lang="en-AU" smtClean="0"/>
-              <a:t>24/05/2015</a:t>
+              <a:t>25/05/2015</a:t>
             </a:fld>
             <a:endParaRPr lang="en-AU"/>
           </a:p>
@@ -3329,7 +3329,7 @@
           <a:p>
             <a:fld id="{AD4CC7D5-0035-4193-9F83-5592C7C73289}" type="datetime1">
               <a:rPr lang="en-AU" smtClean="0"/>
-              <a:t>24/05/2015</a:t>
+              <a:t>25/05/2015</a:t>
             </a:fld>
             <a:endParaRPr lang="en-AU"/>
           </a:p>
@@ -6061,7 +6061,7 @@
           <a:p>
             <a:fld id="{AB9362CC-52A7-47E4-B186-2D952EF52122}" type="datetime1">
               <a:rPr lang="en-AU" smtClean="0"/>
-              <a:t>24/05/2015</a:t>
+              <a:t>25/05/2015</a:t>
             </a:fld>
             <a:endParaRPr lang="en-AU"/>
           </a:p>
@@ -6160,7 +6160,7 @@
           <a:p>
             <a:fld id="{F27C2E27-7A8C-4707-AD07-B4E8FCCC602F}" type="datetime1">
               <a:rPr lang="en-AU" smtClean="0"/>
-              <a:t>24/05/2015</a:t>
+              <a:t>25/05/2015</a:t>
             </a:fld>
             <a:endParaRPr lang="en-AU"/>
           </a:p>
@@ -6289,7 +6289,7 @@
           <a:p>
             <a:fld id="{3345A4CD-9276-444C-86E6-50A9930741D5}" type="datetime1">
               <a:rPr lang="en-AU" smtClean="0"/>
-              <a:t>24/05/2015</a:t>
+              <a:t>25/05/2015</a:t>
             </a:fld>
             <a:endParaRPr lang="en-AU"/>
           </a:p>
@@ -6588,7 +6588,7 @@
           <a:p>
             <a:fld id="{1695342B-6DF4-46BE-B3B0-0C35B6698BA5}" type="datetime1">
               <a:rPr lang="en-AU" smtClean="0"/>
-              <a:t>24/05/2015</a:t>
+              <a:t>25/05/2015</a:t>
             </a:fld>
             <a:endParaRPr lang="en-AU"/>
           </a:p>
@@ -7019,7 +7019,7 @@
             <a:fld id="{2AB80E0E-1F2C-4E6E-B168-928DCCD9FC96}" type="datetime1">
               <a:rPr lang="en-AU" smtClean="0"/>
               <a:pPr/>
-              <a:t>24/05/2015</a:t>
+              <a:t>25/05/2015</a:t>
             </a:fld>
             <a:endParaRPr lang="en-AU"/>
           </a:p>
@@ -7432,7 +7432,7 @@
             <a:fld id="{2AB80E0E-1F2C-4E6E-B168-928DCCD9FC96}" type="datetime1">
               <a:rPr lang="en-AU" smtClean="0"/>
               <a:pPr/>
-              <a:t>24/05/2015</a:t>
+              <a:t>25/05/2015</a:t>
             </a:fld>
             <a:endParaRPr lang="en-AU"/>
           </a:p>
@@ -8064,7 +8064,7 @@
             <a:fld id="{2AB80E0E-1F2C-4E6E-B168-928DCCD9FC96}" type="datetime1">
               <a:rPr lang="en-AU" smtClean="0"/>
               <a:pPr/>
-              <a:t>24/05/2015</a:t>
+              <a:t>25/05/2015</a:t>
             </a:fld>
             <a:endParaRPr lang="en-AU"/>
           </a:p>
@@ -8477,7 +8477,7 @@
             <a:fld id="{2AB80E0E-1F2C-4E6E-B168-928DCCD9FC96}" type="datetime1">
               <a:rPr lang="en-AU" smtClean="0"/>
               <a:pPr/>
-              <a:t>24/05/2015</a:t>
+              <a:t>25/05/2015</a:t>
             </a:fld>
             <a:endParaRPr lang="en-AU"/>
           </a:p>
@@ -8890,7 +8890,7 @@
             <a:fld id="{2AB80E0E-1F2C-4E6E-B168-928DCCD9FC96}" type="datetime1">
               <a:rPr lang="en-AU" smtClean="0"/>
               <a:pPr/>
-              <a:t>24/05/2015</a:t>
+              <a:t>25/05/2015</a:t>
             </a:fld>
             <a:endParaRPr lang="en-AU"/>
           </a:p>
@@ -9303,7 +9303,7 @@
             <a:fld id="{2AB80E0E-1F2C-4E6E-B168-928DCCD9FC96}" type="datetime1">
               <a:rPr lang="en-AU" smtClean="0"/>
               <a:pPr/>
-              <a:t>24/05/2015</a:t>
+              <a:t>25/05/2015</a:t>
             </a:fld>
             <a:endParaRPr lang="en-AU"/>
           </a:p>
@@ -9756,7 +9756,7 @@
           <a:p>
             <a:fld id="{94480E61-56EE-4ADF-8779-ECE37FDE8329}" type="datetime1">
               <a:rPr lang="en-AU" smtClean="0"/>
-              <a:t>24/05/2015</a:t>
+              <a:t>25/05/2015</a:t>
             </a:fld>
             <a:endParaRPr lang="en-AU"/>
           </a:p>
@@ -10197,7 +10197,7 @@
           <a:p>
             <a:fld id="{18DF6330-03F8-4D88-A646-B563CDC9AF8D}" type="datetime1">
               <a:rPr lang="en-AU" smtClean="0"/>
-              <a:t>24/05/2015</a:t>
+              <a:t>25/05/2015</a:t>
             </a:fld>
             <a:endParaRPr lang="en-AU"/>
           </a:p>
@@ -10548,7 +10548,7 @@
           <a:p>
             <a:fld id="{D0044588-2A83-44A9-A3CC-C3B7B17A5165}" type="datetime1">
               <a:rPr lang="en-AU" smtClean="0"/>
-              <a:t>24/05/2015</a:t>
+              <a:t>25/05/2015</a:t>
             </a:fld>
             <a:endParaRPr lang="en-AU"/>
           </a:p>
@@ -10989,7 +10989,7 @@
           <a:p>
             <a:fld id="{41D22EE6-4B31-412E-8723-91D4ADC54A19}" type="datetime1">
               <a:rPr lang="en-AU" smtClean="0"/>
-              <a:t>24/05/2015</a:t>
+              <a:t>25/05/2015</a:t>
             </a:fld>
             <a:endParaRPr lang="en-AU"/>
           </a:p>
@@ -11340,7 +11340,7 @@
           <a:p>
             <a:fld id="{DA261D82-8DC8-458B-8902-24081A8340A2}" type="datetime1">
               <a:rPr lang="en-AU" smtClean="0"/>
-              <a:t>24/05/2015</a:t>
+              <a:t>25/05/2015</a:t>
             </a:fld>
             <a:endParaRPr lang="en-AU"/>
           </a:p>
@@ -11683,7 +11683,7 @@
           <a:p>
             <a:fld id="{420BB56F-B44B-46AA-97B1-CA041AECB16C}" type="datetime1">
               <a:rPr lang="en-AU" smtClean="0"/>
-              <a:t>24/05/2015</a:t>
+              <a:t>25/05/2015</a:t>
             </a:fld>
             <a:endParaRPr lang="en-AU"/>
           </a:p>
@@ -12201,7 +12201,7 @@
           <a:p>
             <a:fld id="{1695342B-6DF4-46BE-B3B0-0C35B6698BA5}" type="datetime1">
               <a:rPr lang="en-AU" smtClean="0"/>
-              <a:t>24/05/2015</a:t>
+              <a:t>25/05/2015</a:t>
             </a:fld>
             <a:endParaRPr lang="en-AU"/>
           </a:p>
@@ -12435,7 +12435,7 @@
           <a:p>
             <a:fld id="{5DF3D236-8947-4982-93B0-9FCFCBDDAAAA}" type="datetime1">
               <a:rPr lang="en-AU" smtClean="0"/>
-              <a:t>24/05/2015</a:t>
+              <a:t>25/05/2015</a:t>
             </a:fld>
             <a:endParaRPr lang="en-AU"/>
           </a:p>
@@ -12669,7 +12669,7 @@
           <a:p>
             <a:fld id="{07585B30-36BA-40E4-B8EC-C9A276584755}" type="datetime1">
               <a:rPr lang="en-AU" smtClean="0"/>
-              <a:t>24/05/2015</a:t>
+              <a:t>25/05/2015</a:t>
             </a:fld>
             <a:endParaRPr lang="en-AU"/>
           </a:p>
@@ -12903,7 +12903,7 @@
           <a:p>
             <a:fld id="{0101A2FF-CDC1-40C1-873E-97295C411EAE}" type="datetime1">
               <a:rPr lang="en-AU" smtClean="0"/>
-              <a:t>24/05/2015</a:t>
+              <a:t>25/05/2015</a:t>
             </a:fld>
             <a:endParaRPr lang="en-AU"/>
           </a:p>
@@ -13137,7 +13137,7 @@
           <a:p>
             <a:fld id="{BA96EB8D-2F5F-4C3C-9779-37FE3E8D3195}" type="datetime1">
               <a:rPr lang="en-AU" smtClean="0"/>
-              <a:t>24/05/2015</a:t>
+              <a:t>25/05/2015</a:t>
             </a:fld>
             <a:endParaRPr lang="en-AU"/>
           </a:p>
@@ -13371,7 +13371,7 @@
           <a:p>
             <a:fld id="{D0C959DE-A79C-459E-8034-77D6B0EBD4F3}" type="datetime1">
               <a:rPr lang="en-AU" smtClean="0"/>
-              <a:t>24/05/2015</a:t>
+              <a:t>25/05/2015</a:t>
             </a:fld>
             <a:endParaRPr lang="en-AU"/>
           </a:p>
@@ -13613,7 +13613,7 @@
           <a:p>
             <a:fld id="{C6CAFF4A-1ACD-4FAE-A33D-FFAFDD26098E}" type="datetime1">
               <a:rPr lang="en-AU" smtClean="0"/>
-              <a:t>24/05/2015</a:t>
+              <a:t>25/05/2015</a:t>
             </a:fld>
             <a:endParaRPr lang="en-AU"/>
           </a:p>
@@ -13847,7 +13847,7 @@
           <a:p>
             <a:fld id="{204F744D-E263-4258-9535-CA1100C058C5}" type="datetime1">
               <a:rPr lang="en-AU" smtClean="0"/>
-              <a:t>24/05/2015</a:t>
+              <a:t>25/05/2015</a:t>
             </a:fld>
             <a:endParaRPr lang="en-AU"/>
           </a:p>
@@ -14081,7 +14081,7 @@
           <a:p>
             <a:fld id="{E19FA2E3-1277-4A05-A117-6DAAA0A59214}" type="datetime1">
               <a:rPr lang="en-AU" smtClean="0"/>
-              <a:t>24/05/2015</a:t>
+              <a:t>25/05/2015</a:t>
             </a:fld>
             <a:endParaRPr lang="en-AU"/>
           </a:p>
@@ -14315,7 +14315,7 @@
           <a:p>
             <a:fld id="{CD818C87-C82A-4436-B0CF-391780521B37}" type="datetime1">
               <a:rPr lang="en-AU" smtClean="0"/>
-              <a:t>24/05/2015</a:t>
+              <a:t>25/05/2015</a:t>
             </a:fld>
             <a:endParaRPr lang="en-AU"/>
           </a:p>
@@ -14768,7 +14768,7 @@
           <a:p>
             <a:fld id="{FAE3E39A-5791-4850-A246-16D6E2F6AEB6}" type="datetime1">
               <a:rPr lang="en-AU" smtClean="0"/>
-              <a:t>24/05/2015</a:t>
+              <a:t>25/05/2015</a:t>
             </a:fld>
             <a:endParaRPr lang="en-AU"/>
           </a:p>
@@ -15002,7 +15002,7 @@
           <a:p>
             <a:fld id="{7C98056B-DCE9-4980-AB4F-9933835EDDF0}" type="datetime1">
               <a:rPr lang="en-AU" smtClean="0"/>
-              <a:t>24/05/2015</a:t>
+              <a:t>25/05/2015</a:t>
             </a:fld>
             <a:endParaRPr lang="en-AU"/>
           </a:p>
@@ -16532,7 +16532,7 @@
           <a:p>
             <a:fld id="{2AB80E0E-1F2C-4E6E-B168-928DCCD9FC96}" type="datetime1">
               <a:rPr lang="en-AU" smtClean="0"/>
-              <a:t>24/05/2015</a:t>
+              <a:t>25/05/2015</a:t>
             </a:fld>
             <a:endParaRPr lang="en-AU"/>
           </a:p>
@@ -16810,7 +16810,7 @@
             <a:fld id="{D5202F35-1E60-44E7-A8CA-65A043171768}" type="datetime1">
               <a:rPr lang="en-AU" smtClean="0"/>
               <a:pPr/>
-              <a:t>24/05/2015</a:t>
+              <a:t>25/05/2015</a:t>
             </a:fld>
             <a:endParaRPr lang="en-AU"/>
           </a:p>
@@ -17247,7 +17247,7 @@
             <a:fld id="{094FD292-6CBB-42F0-8BF6-EA5D415F7BA5}" type="datetime1">
               <a:rPr lang="en-AU" smtClean="0"/>
               <a:pPr/>
-              <a:t>24/05/2015</a:t>
+              <a:t>25/05/2015</a:t>
             </a:fld>
             <a:endParaRPr lang="en-AU" dirty="0"/>
           </a:p>
@@ -20837,7 +20837,7 @@
                                         <p:tgtEl>
                                           <p:spTgt spid="3">
                                             <p:txEl>
-                                              <p:charRg st="11" end="30"/>
+                                              <p:pRg st="1" end="1"/>
                                             </p:txEl>
                                           </p:spTgt>
                                         </p:tgtEl>
@@ -20868,7 +20868,7 @@
                                         <p:tgtEl>
                                           <p:spTgt spid="3">
                                             <p:txEl>
-                                              <p:charRg st="30" end="48"/>
+                                              <p:pRg st="2" end="2"/>
                                             </p:txEl>
                                           </p:spTgt>
                                         </p:tgtEl>
@@ -20899,7 +20899,7 @@
                                         <p:tgtEl>
                                           <p:spTgt spid="3">
                                             <p:txEl>
-                                              <p:charRg st="48" end="65"/>
+                                              <p:pRg st="3" end="3"/>
                                             </p:txEl>
                                           </p:spTgt>
                                         </p:tgtEl>
@@ -20930,7 +20930,7 @@
                                         <p:tgtEl>
                                           <p:spTgt spid="3">
                                             <p:txEl>
-                                              <p:charRg st="65" end="83"/>
+                                              <p:pRg st="4" end="4"/>
                                             </p:txEl>
                                           </p:spTgt>
                                         </p:tgtEl>
@@ -22530,7 +22530,38 @@
               <a:rPr lang="en-AU" dirty="0" err="1" smtClean="0"/>
               <a:t>robdmoore</a:t>
             </a:r>
-            <a:endParaRPr lang="en-AU" dirty="0"/>
+            <a:endParaRPr lang="en-AU" dirty="0" smtClean="0"/>
+          </a:p>
+          <a:p>
+            <a:r>
+              <a:rPr lang="en-AU" dirty="0" smtClean="0"/>
+              <a:t>robdmoore.id.au</a:t>
+            </a:r>
+          </a:p>
+          <a:p>
+            <a:endParaRPr lang="en-AU" sz="1800" dirty="0" smtClean="0"/>
+          </a:p>
+          <a:p>
+            <a:endParaRPr lang="en-AU" sz="1800" dirty="0"/>
+          </a:p>
+          <a:p>
+            <a:r>
+              <a:rPr lang="en-AU" sz="1800" dirty="0" smtClean="0"/>
+              <a:t>github.com/</a:t>
+            </a:r>
+            <a:r>
+              <a:rPr lang="en-AU" sz="1800" dirty="0" err="1" smtClean="0"/>
+              <a:t>robdmoore</a:t>
+            </a:r>
+            <a:r>
+              <a:rPr lang="en-AU" sz="1800" dirty="0" smtClean="0"/>
+              <a:t>/</a:t>
+            </a:r>
+            <a:r>
+              <a:rPr lang="en-AU" sz="1800" dirty="0" err="1" smtClean="0"/>
+              <a:t>TestingPatternsWithDossierPresentation</a:t>
+            </a:r>
+            <a:endParaRPr lang="en-AU" sz="1800" dirty="0"/>
           </a:p>
         </p:txBody>
       </p:sp>
@@ -24832,29 +24863,6 @@
 </file>
 
 <file path=customXml/item1.xml><?xml version="1.0" encoding="utf-8"?>
-<p:properties xmlns:p="http://schemas.microsoft.com/office/2006/metadata/properties" xmlns:xsi="http://www.w3.org/2001/XMLSchema-instance" xmlns:pc="http://schemas.microsoft.com/office/infopath/2007/PartnerControls">
-  <documentManagement>
-    <SharedWithUsers xmlns="a0705aab-28ed-4f14-9e72-801ff7570ecf">
-      <UserInfo>
-        <DisplayName/>
-        <AccountId xsi:nil="true"/>
-        <AccountType/>
-      </UserInfo>
-    </SharedWithUsers>
-  </documentManagement>
-</p:properties>
-</file>
-
-<file path=customXml/item2.xml><?xml version="1.0" encoding="utf-8"?>
-<?mso-contentType ?>
-<FormTemplates xmlns="http://schemas.microsoft.com/sharepoint/v3/contenttype/forms">
-  <Display>DocumentLibraryForm</Display>
-  <Edit>DocumentLibraryForm</Edit>
-  <New>DocumentLibraryForm</New>
-</FormTemplates>
-</file>
-
-<file path=customXml/item3.xml><?xml version="1.0" encoding="utf-8"?>
 <ct:contentTypeSchema xmlns:ct="http://schemas.microsoft.com/office/2006/metadata/contentType" xmlns:ma="http://schemas.microsoft.com/office/2006/metadata/properties/metaAttributes" ct:_="" ma:_="" ma:contentTypeName="Document" ma:contentTypeID="0x010100E6C79711059E8D46ADE79FA0C3FB19E4" ma:contentTypeVersion="3" ma:contentTypeDescription="Create a new document." ma:contentTypeScope="" ma:versionID="daae2b56741e0abbe810b87540851dcc">
   <xsd:schema xmlns:xsd="http://www.w3.org/2001/XMLSchema" xmlns:xs="http://www.w3.org/2001/XMLSchema" xmlns:p="http://schemas.microsoft.com/office/2006/metadata/properties" xmlns:ns2="a0705aab-28ed-4f14-9e72-801ff7570ecf" targetNamespace="http://schemas.microsoft.com/office/2006/metadata/properties" ma:root="true" ma:fieldsID="f0b30d34b8520fcf8862db976c97c465" ns2:_="">
     <xsd:import namespace="a0705aab-28ed-4f14-9e72-801ff7570ecf"/>
@@ -25008,31 +25016,30 @@
 </ct:contentTypeSchema>
 </file>
 
-<file path=customXml/itemProps1.xml><?xml version="1.0" encoding="utf-8"?>
-<ds:datastoreItem xmlns:ds="http://schemas.openxmlformats.org/officeDocument/2006/customXml" ds:itemID="{1B9FA1EF-CD23-4139-920B-9EDB05CD48C7}">
-  <ds:schemaRefs>
-    <ds:schemaRef ds:uri="http://purl.org/dc/terms/"/>
-    <ds:schemaRef ds:uri="a0705aab-28ed-4f14-9e72-801ff7570ecf"/>
-    <ds:schemaRef ds:uri="http://schemas.microsoft.com/office/infopath/2007/PartnerControls"/>
-    <ds:schemaRef ds:uri="http://purl.org/dc/elements/1.1/"/>
-    <ds:schemaRef ds:uri="http://purl.org/dc/dcmitype/"/>
-    <ds:schemaRef ds:uri="http://schemas.microsoft.com/office/2006/documentManagement/types"/>
-    <ds:schemaRef ds:uri="http://schemas.openxmlformats.org/package/2006/metadata/core-properties"/>
-    <ds:schemaRef ds:uri="http://schemas.microsoft.com/office/2006/metadata/properties"/>
-    <ds:schemaRef ds:uri="http://www.w3.org/XML/1998/namespace"/>
-  </ds:schemaRefs>
-</ds:datastoreItem>
+<file path=customXml/item2.xml><?xml version="1.0" encoding="utf-8"?>
+<?mso-contentType ?>
+<FormTemplates xmlns="http://schemas.microsoft.com/sharepoint/v3/contenttype/forms">
+  <Display>DocumentLibraryForm</Display>
+  <Edit>DocumentLibraryForm</Edit>
+  <New>DocumentLibraryForm</New>
+</FormTemplates>
 </file>
 
-<file path=customXml/itemProps2.xml><?xml version="1.0" encoding="utf-8"?>
-<ds:datastoreItem xmlns:ds="http://schemas.openxmlformats.org/officeDocument/2006/customXml" ds:itemID="{B72FCBA9-0E7F-4D64-B543-2B2870B85E8B}">
-  <ds:schemaRefs>
-    <ds:schemaRef ds:uri="http://schemas.microsoft.com/sharepoint/v3/contenttype/forms"/>
-  </ds:schemaRefs>
-</ds:datastoreItem>
+<file path=customXml/item3.xml><?xml version="1.0" encoding="utf-8"?>
+<p:properties xmlns:p="http://schemas.microsoft.com/office/2006/metadata/properties" xmlns:xsi="http://www.w3.org/2001/XMLSchema-instance" xmlns:pc="http://schemas.microsoft.com/office/infopath/2007/PartnerControls">
+  <documentManagement>
+    <SharedWithUsers xmlns="a0705aab-28ed-4f14-9e72-801ff7570ecf">
+      <UserInfo>
+        <DisplayName/>
+        <AccountId xsi:nil="true"/>
+        <AccountType/>
+      </UserInfo>
+    </SharedWithUsers>
+  </documentManagement>
+</p:properties>
 </file>
 
-<file path=customXml/itemProps3.xml><?xml version="1.0" encoding="utf-8"?>
+<file path=customXml/itemProps1.xml><?xml version="1.0" encoding="utf-8"?>
 <ds:datastoreItem xmlns:ds="http://schemas.openxmlformats.org/officeDocument/2006/customXml" ds:itemID="{2FC737D2-C1B5-44D0-A2B8-92C1B285B18D}">
   <ds:schemaRefs>
     <ds:schemaRef ds:uri="http://schemas.microsoft.com/office/2006/metadata/contentType"/>
@@ -25048,4 +25055,28 @@
     <ds:schemaRef ds:uri="http://schemas.microsoft.com/internal/obd"/>
   </ds:schemaRefs>
 </ds:datastoreItem>
+</file>
+
+<file path=customXml/itemProps2.xml><?xml version="1.0" encoding="utf-8"?>
+<ds:datastoreItem xmlns:ds="http://schemas.openxmlformats.org/officeDocument/2006/customXml" ds:itemID="{B72FCBA9-0E7F-4D64-B543-2B2870B85E8B}">
+  <ds:schemaRefs>
+    <ds:schemaRef ds:uri="http://schemas.microsoft.com/sharepoint/v3/contenttype/forms"/>
+  </ds:schemaRefs>
+</ds:datastoreItem>
+</file>
+
+<file path=customXml/itemProps3.xml><?xml version="1.0" encoding="utf-8"?>
+<ds:datastoreItem xmlns:ds="http://schemas.openxmlformats.org/officeDocument/2006/customXml" ds:itemID="{1B9FA1EF-CD23-4139-920B-9EDB05CD48C7}">
+  <ds:schemaRefs>
+    <ds:schemaRef ds:uri="http://purl.org/dc/terms/"/>
+    <ds:schemaRef ds:uri="a0705aab-28ed-4f14-9e72-801ff7570ecf"/>
+    <ds:schemaRef ds:uri="http://schemas.microsoft.com/office/infopath/2007/PartnerControls"/>
+    <ds:schemaRef ds:uri="http://purl.org/dc/elements/1.1/"/>
+    <ds:schemaRef ds:uri="http://purl.org/dc/dcmitype/"/>
+    <ds:schemaRef ds:uri="http://schemas.microsoft.com/office/2006/documentManagement/types"/>
+    <ds:schemaRef ds:uri="http://schemas.openxmlformats.org/package/2006/metadata/core-properties"/>
+    <ds:schemaRef ds:uri="http://schemas.microsoft.com/office/2006/metadata/properties"/>
+    <ds:schemaRef ds:uri="http://www.w3.org/XML/1998/namespace"/>
+  </ds:schemaRefs>
+</ds:datastoreItem>
 </file>
--- a/Presentation.pptx
+++ b/Presentation.pptx
@@ -247,7 +247,7 @@
           <a:p>
             <a:fld id="{78D5E657-C75E-4190-B3C3-105C9C4260DF}" type="datetimeFigureOut">
               <a:rPr lang="en-AU" smtClean="0"/>
-              <a:t>25/05/2015</a:t>
+              <a:t>26/05/2015</a:t>
             </a:fld>
             <a:endParaRPr lang="en-AU"/>
           </a:p>
@@ -412,7 +412,7 @@
           <a:p>
             <a:fld id="{B2842A88-9C46-4A82-BC64-6521039314F7}" type="datetimeFigureOut">
               <a:rPr lang="en-AU" smtClean="0"/>
-              <a:t>25/05/2015</a:t>
+              <a:t>26/05/2015</a:t>
             </a:fld>
             <a:endParaRPr lang="en-AU"/>
           </a:p>
@@ -1338,7 +1338,7 @@
             <a:fld id="{D5202F35-1E60-44E7-A8CA-65A043171768}" type="datetime1">
               <a:rPr lang="en-AU" smtClean="0"/>
               <a:pPr/>
-              <a:t>25/05/2015</a:t>
+              <a:t>26/05/2015</a:t>
             </a:fld>
             <a:endParaRPr lang="en-AU"/>
           </a:p>
@@ -2533,7 +2533,7 @@
           <a:p>
             <a:fld id="{81365592-B95A-4E1B-8688-B9BAC9237151}" type="datetime1">
               <a:rPr lang="en-AU" smtClean="0"/>
-              <a:t>25/05/2015</a:t>
+              <a:t>26/05/2015</a:t>
             </a:fld>
             <a:endParaRPr lang="en-AU"/>
           </a:p>
@@ -3329,7 +3329,7 @@
           <a:p>
             <a:fld id="{AD4CC7D5-0035-4193-9F83-5592C7C73289}" type="datetime1">
               <a:rPr lang="en-AU" smtClean="0"/>
-              <a:t>25/05/2015</a:t>
+              <a:t>26/05/2015</a:t>
             </a:fld>
             <a:endParaRPr lang="en-AU"/>
           </a:p>
@@ -6061,7 +6061,7 @@
           <a:p>
             <a:fld id="{AB9362CC-52A7-47E4-B186-2D952EF52122}" type="datetime1">
               <a:rPr lang="en-AU" smtClean="0"/>
-              <a:t>25/05/2015</a:t>
+              <a:t>26/05/2015</a:t>
             </a:fld>
             <a:endParaRPr lang="en-AU"/>
           </a:p>
@@ -6160,7 +6160,7 @@
           <a:p>
             <a:fld id="{F27C2E27-7A8C-4707-AD07-B4E8FCCC602F}" type="datetime1">
               <a:rPr lang="en-AU" smtClean="0"/>
-              <a:t>25/05/2015</a:t>
+              <a:t>26/05/2015</a:t>
             </a:fld>
             <a:endParaRPr lang="en-AU"/>
           </a:p>
@@ -6289,7 +6289,7 @@
           <a:p>
             <a:fld id="{3345A4CD-9276-444C-86E6-50A9930741D5}" type="datetime1">
               <a:rPr lang="en-AU" smtClean="0"/>
-              <a:t>25/05/2015</a:t>
+              <a:t>26/05/2015</a:t>
             </a:fld>
             <a:endParaRPr lang="en-AU"/>
           </a:p>
@@ -6588,7 +6588,7 @@
           <a:p>
             <a:fld id="{1695342B-6DF4-46BE-B3B0-0C35B6698BA5}" type="datetime1">
               <a:rPr lang="en-AU" smtClean="0"/>
-              <a:t>25/05/2015</a:t>
+              <a:t>26/05/2015</a:t>
             </a:fld>
             <a:endParaRPr lang="en-AU"/>
           </a:p>
@@ -7019,7 +7019,7 @@
             <a:fld id="{2AB80E0E-1F2C-4E6E-B168-928DCCD9FC96}" type="datetime1">
               <a:rPr lang="en-AU" smtClean="0"/>
               <a:pPr/>
-              <a:t>25/05/2015</a:t>
+              <a:t>26/05/2015</a:t>
             </a:fld>
             <a:endParaRPr lang="en-AU"/>
           </a:p>
@@ -7432,7 +7432,7 @@
             <a:fld id="{2AB80E0E-1F2C-4E6E-B168-928DCCD9FC96}" type="datetime1">
               <a:rPr lang="en-AU" smtClean="0"/>
               <a:pPr/>
-              <a:t>25/05/2015</a:t>
+              <a:t>26/05/2015</a:t>
             </a:fld>
             <a:endParaRPr lang="en-AU"/>
           </a:p>
@@ -8064,7 +8064,7 @@
             <a:fld id="{2AB80E0E-1F2C-4E6E-B168-928DCCD9FC96}" type="datetime1">
               <a:rPr lang="en-AU" smtClean="0"/>
               <a:pPr/>
-              <a:t>25/05/2015</a:t>
+              <a:t>26/05/2015</a:t>
             </a:fld>
             <a:endParaRPr lang="en-AU"/>
           </a:p>
@@ -8477,7 +8477,7 @@
             <a:fld id="{2AB80E0E-1F2C-4E6E-B168-928DCCD9FC96}" type="datetime1">
               <a:rPr lang="en-AU" smtClean="0"/>
               <a:pPr/>
-              <a:t>25/05/2015</a:t>
+              <a:t>26/05/2015</a:t>
             </a:fld>
             <a:endParaRPr lang="en-AU"/>
           </a:p>
@@ -8890,7 +8890,7 @@
             <a:fld id="{2AB80E0E-1F2C-4E6E-B168-928DCCD9FC96}" type="datetime1">
               <a:rPr lang="en-AU" smtClean="0"/>
               <a:pPr/>
-              <a:t>25/05/2015</a:t>
+              <a:t>26/05/2015</a:t>
             </a:fld>
             <a:endParaRPr lang="en-AU"/>
           </a:p>
@@ -9303,7 +9303,7 @@
             <a:fld id="{2AB80E0E-1F2C-4E6E-B168-928DCCD9FC96}" type="datetime1">
               <a:rPr lang="en-AU" smtClean="0"/>
               <a:pPr/>
-              <a:t>25/05/2015</a:t>
+              <a:t>26/05/2015</a:t>
             </a:fld>
             <a:endParaRPr lang="en-AU"/>
           </a:p>
@@ -9756,7 +9756,7 @@
           <a:p>
             <a:fld id="{94480E61-56EE-4ADF-8779-ECE37FDE8329}" type="datetime1">
               <a:rPr lang="en-AU" smtClean="0"/>
-              <a:t>25/05/2015</a:t>
+              <a:t>26/05/2015</a:t>
             </a:fld>
             <a:endParaRPr lang="en-AU"/>
           </a:p>
@@ -10197,7 +10197,7 @@
           <a:p>
             <a:fld id="{18DF6330-03F8-4D88-A646-B563CDC9AF8D}" type="datetime1">
               <a:rPr lang="en-AU" smtClean="0"/>
-              <a:t>25/05/2015</a:t>
+              <a:t>26/05/2015</a:t>
             </a:fld>
             <a:endParaRPr lang="en-AU"/>
           </a:p>
@@ -10548,7 +10548,7 @@
           <a:p>
             <a:fld id="{D0044588-2A83-44A9-A3CC-C3B7B17A5165}" type="datetime1">
               <a:rPr lang="en-AU" smtClean="0"/>
-              <a:t>25/05/2015</a:t>
+              <a:t>26/05/2015</a:t>
             </a:fld>
             <a:endParaRPr lang="en-AU"/>
           </a:p>
@@ -10989,7 +10989,7 @@
           <a:p>
             <a:fld id="{41D22EE6-4B31-412E-8723-91D4ADC54A19}" type="datetime1">
               <a:rPr lang="en-AU" smtClean="0"/>
-              <a:t>25/05/2015</a:t>
+              <a:t>26/05/2015</a:t>
             </a:fld>
             <a:endParaRPr lang="en-AU"/>
           </a:p>
@@ -11340,7 +11340,7 @@
           <a:p>
             <a:fld id="{DA261D82-8DC8-458B-8902-24081A8340A2}" type="datetime1">
               <a:rPr lang="en-AU" smtClean="0"/>
-              <a:t>25/05/2015</a:t>
+              <a:t>26/05/2015</a:t>
             </a:fld>
             <a:endParaRPr lang="en-AU"/>
           </a:p>
@@ -11683,7 +11683,7 @@
           <a:p>
             <a:fld id="{420BB56F-B44B-46AA-97B1-CA041AECB16C}" type="datetime1">
               <a:rPr lang="en-AU" smtClean="0"/>
-              <a:t>25/05/2015</a:t>
+              <a:t>26/05/2015</a:t>
             </a:fld>
             <a:endParaRPr lang="en-AU"/>
           </a:p>
@@ -12201,7 +12201,7 @@
           <a:p>
             <a:fld id="{1695342B-6DF4-46BE-B3B0-0C35B6698BA5}" type="datetime1">
               <a:rPr lang="en-AU" smtClean="0"/>
-              <a:t>25/05/2015</a:t>
+              <a:t>26/05/2015</a:t>
             </a:fld>
             <a:endParaRPr lang="en-AU"/>
           </a:p>
@@ -12435,7 +12435,7 @@
           <a:p>
             <a:fld id="{5DF3D236-8947-4982-93B0-9FCFCBDDAAAA}" type="datetime1">
               <a:rPr lang="en-AU" smtClean="0"/>
-              <a:t>25/05/2015</a:t>
+              <a:t>26/05/2015</a:t>
             </a:fld>
             <a:endParaRPr lang="en-AU"/>
           </a:p>
@@ -12669,7 +12669,7 @@
           <a:p>
             <a:fld id="{07585B30-36BA-40E4-B8EC-C9A276584755}" type="datetime1">
               <a:rPr lang="en-AU" smtClean="0"/>
-              <a:t>25/05/2015</a:t>
+              <a:t>26/05/2015</a:t>
             </a:fld>
             <a:endParaRPr lang="en-AU"/>
           </a:p>
@@ -12903,7 +12903,7 @@
           <a:p>
             <a:fld id="{0101A2FF-CDC1-40C1-873E-97295C411EAE}" type="datetime1">
               <a:rPr lang="en-AU" smtClean="0"/>
-              <a:t>25/05/2015</a:t>
+              <a:t>26/05/2015</a:t>
             </a:fld>
             <a:endParaRPr lang="en-AU"/>
           </a:p>
@@ -13137,7 +13137,7 @@
           <a:p>
             <a:fld id="{BA96EB8D-2F5F-4C3C-9779-37FE3E8D3195}" type="datetime1">
               <a:rPr lang="en-AU" smtClean="0"/>
-              <a:t>25/05/2015</a:t>
+              <a:t>26/05/2015</a:t>
             </a:fld>
             <a:endParaRPr lang="en-AU"/>
           </a:p>
@@ -13371,7 +13371,7 @@
           <a:p>
             <a:fld id="{D0C959DE-A79C-459E-8034-77D6B0EBD4F3}" type="datetime1">
               <a:rPr lang="en-AU" smtClean="0"/>
-              <a:t>25/05/2015</a:t>
+              <a:t>26/05/2015</a:t>
             </a:fld>
             <a:endParaRPr lang="en-AU"/>
           </a:p>
@@ -13613,7 +13613,7 @@
           <a:p>
             <a:fld id="{C6CAFF4A-1ACD-4FAE-A33D-FFAFDD26098E}" type="datetime1">
               <a:rPr lang="en-AU" smtClean="0"/>
-              <a:t>25/05/2015</a:t>
+              <a:t>26/05/2015</a:t>
             </a:fld>
             <a:endParaRPr lang="en-AU"/>
           </a:p>
@@ -13847,7 +13847,7 @@
           <a:p>
             <a:fld id="{204F744D-E263-4258-9535-CA1100C058C5}" type="datetime1">
               <a:rPr lang="en-AU" smtClean="0"/>
-              <a:t>25/05/2015</a:t>
+              <a:t>26/05/2015</a:t>
             </a:fld>
             <a:endParaRPr lang="en-AU"/>
           </a:p>
@@ -14081,7 +14081,7 @@
           <a:p>
             <a:fld id="{E19FA2E3-1277-4A05-A117-6DAAA0A59214}" type="datetime1">
               <a:rPr lang="en-AU" smtClean="0"/>
-              <a:t>25/05/2015</a:t>
+              <a:t>26/05/2015</a:t>
             </a:fld>
             <a:endParaRPr lang="en-AU"/>
           </a:p>
@@ -14315,7 +14315,7 @@
           <a:p>
             <a:fld id="{CD818C87-C82A-4436-B0CF-391780521B37}" type="datetime1">
               <a:rPr lang="en-AU" smtClean="0"/>
-              <a:t>25/05/2015</a:t>
+              <a:t>26/05/2015</a:t>
             </a:fld>
             <a:endParaRPr lang="en-AU"/>
           </a:p>
@@ -14768,7 +14768,7 @@
           <a:p>
             <a:fld id="{FAE3E39A-5791-4850-A246-16D6E2F6AEB6}" type="datetime1">
               <a:rPr lang="en-AU" smtClean="0"/>
-              <a:t>25/05/2015</a:t>
+              <a:t>26/05/2015</a:t>
             </a:fld>
             <a:endParaRPr lang="en-AU"/>
           </a:p>
@@ -15002,7 +15002,7 @@
           <a:p>
             <a:fld id="{7C98056B-DCE9-4980-AB4F-9933835EDDF0}" type="datetime1">
               <a:rPr lang="en-AU" smtClean="0"/>
-              <a:t>25/05/2015</a:t>
+              <a:t>26/05/2015</a:t>
             </a:fld>
             <a:endParaRPr lang="en-AU"/>
           </a:p>
@@ -16532,7 +16532,7 @@
           <a:p>
             <a:fld id="{2AB80E0E-1F2C-4E6E-B168-928DCCD9FC96}" type="datetime1">
               <a:rPr lang="en-AU" smtClean="0"/>
-              <a:t>25/05/2015</a:t>
+              <a:t>26/05/2015</a:t>
             </a:fld>
             <a:endParaRPr lang="en-AU"/>
           </a:p>
@@ -16810,7 +16810,7 @@
             <a:fld id="{D5202F35-1E60-44E7-A8CA-65A043171768}" type="datetime1">
               <a:rPr lang="en-AU" smtClean="0"/>
               <a:pPr/>
-              <a:t>25/05/2015</a:t>
+              <a:t>26/05/2015</a:t>
             </a:fld>
             <a:endParaRPr lang="en-AU"/>
           </a:p>
@@ -17247,7 +17247,7 @@
             <a:fld id="{094FD292-6CBB-42F0-8BF6-EA5D415F7BA5}" type="datetime1">
               <a:rPr lang="en-AU" smtClean="0"/>
               <a:pPr/>
-              <a:t>25/05/2015</a:t>
+              <a:t>26/05/2015</a:t>
             </a:fld>
             <a:endParaRPr lang="en-AU" dirty="0"/>
           </a:p>
@@ -23149,8 +23149,13 @@
             </a:r>
             <a:r>
               <a:rPr lang="en-AU" dirty="0" smtClean="0"/>
-              <a:t> projects have a tendency to end up with test projects that are:</a:t>
-            </a:r>
+              <a:t> projects have a tendency to end up with </a:t>
+            </a:r>
+            <a:r>
+              <a:rPr lang="en-AU" dirty="0" smtClean="0"/>
+              <a:t>awful test projects.</a:t>
+            </a:r>
+            <a:endParaRPr lang="en-AU" dirty="0" smtClean="0"/>
           </a:p>
           <a:p>
             <a:endParaRPr lang="en-AU" dirty="0" smtClean="0"/>
@@ -23250,9 +23255,229 @@
   <p:timing>
     <p:tnLst>
       <p:par>
-        <p:cTn id="1" dur="indefinite" restart="never" nodeType="tmRoot"/>
+        <p:cTn id="1" dur="indefinite" restart="never" nodeType="tmRoot">
+          <p:childTnLst>
+            <p:seq concurrent="1" nextAc="seek">
+              <p:cTn id="2" dur="indefinite" nodeType="mainSeq">
+                <p:childTnLst>
+                  <p:par>
+                    <p:cTn id="3" fill="hold">
+                      <p:stCondLst>
+                        <p:cond delay="indefinite"/>
+                        <p:cond evt="onBegin" delay="0">
+                          <p:tn val="2"/>
+                        </p:cond>
+                      </p:stCondLst>
+                      <p:childTnLst>
+                        <p:par>
+                          <p:cTn id="4" fill="hold">
+                            <p:stCondLst>
+                              <p:cond delay="0"/>
+                            </p:stCondLst>
+                            <p:childTnLst>
+                              <p:par>
+                                <p:cTn id="5" presetID="1" presetClass="entr" presetSubtype="0" fill="hold" grpId="0" nodeType="withEffect">
+                                  <p:stCondLst>
+                                    <p:cond delay="0"/>
+                                  </p:stCondLst>
+                                  <p:childTnLst>
+                                    <p:set>
+                                      <p:cBhvr>
+                                        <p:cTn id="6" dur="1" fill="hold">
+                                          <p:stCondLst>
+                                            <p:cond delay="0"/>
+                                          </p:stCondLst>
+                                        </p:cTn>
+                                        <p:tgtEl>
+                                          <p:spTgt spid="3">
+                                            <p:txEl>
+                                              <p:pRg st="0" end="0"/>
+                                            </p:txEl>
+                                          </p:spTgt>
+                                        </p:tgtEl>
+                                        <p:attrNameLst>
+                                          <p:attrName>style.visibility</p:attrName>
+                                        </p:attrNameLst>
+                                      </p:cBhvr>
+                                      <p:to>
+                                        <p:strVal val="visible"/>
+                                      </p:to>
+                                    </p:set>
+                                  </p:childTnLst>
+                                </p:cTn>
+                              </p:par>
+                            </p:childTnLst>
+                          </p:cTn>
+                        </p:par>
+                      </p:childTnLst>
+                    </p:cTn>
+                  </p:par>
+                  <p:par>
+                    <p:cTn id="7" fill="hold">
+                      <p:stCondLst>
+                        <p:cond delay="indefinite"/>
+                      </p:stCondLst>
+                      <p:childTnLst>
+                        <p:par>
+                          <p:cTn id="8" fill="hold">
+                            <p:stCondLst>
+                              <p:cond delay="0"/>
+                            </p:stCondLst>
+                            <p:childTnLst>
+                              <p:par>
+                                <p:cTn id="9" presetID="1" presetClass="entr" presetSubtype="0" fill="hold" grpId="0" nodeType="clickEffect">
+                                  <p:stCondLst>
+                                    <p:cond delay="0"/>
+                                  </p:stCondLst>
+                                  <p:childTnLst>
+                                    <p:set>
+                                      <p:cBhvr>
+                                        <p:cTn id="10" dur="1" fill="hold">
+                                          <p:stCondLst>
+                                            <p:cond delay="0"/>
+                                          </p:stCondLst>
+                                        </p:cTn>
+                                        <p:tgtEl>
+                                          <p:spTgt spid="3">
+                                            <p:txEl>
+                                              <p:pRg st="2" end="2"/>
+                                            </p:txEl>
+                                          </p:spTgt>
+                                        </p:tgtEl>
+                                        <p:attrNameLst>
+                                          <p:attrName>style.visibility</p:attrName>
+                                        </p:attrNameLst>
+                                      </p:cBhvr>
+                                      <p:to>
+                                        <p:strVal val="visible"/>
+                                      </p:to>
+                                    </p:set>
+                                  </p:childTnLst>
+                                </p:cTn>
+                              </p:par>
+                              <p:par>
+                                <p:cTn id="11" presetID="1" presetClass="entr" presetSubtype="0" fill="hold" grpId="0" nodeType="withEffect">
+                                  <p:stCondLst>
+                                    <p:cond delay="0"/>
+                                  </p:stCondLst>
+                                  <p:childTnLst>
+                                    <p:set>
+                                      <p:cBhvr>
+                                        <p:cTn id="12" dur="1" fill="hold">
+                                          <p:stCondLst>
+                                            <p:cond delay="0"/>
+                                          </p:stCondLst>
+                                        </p:cTn>
+                                        <p:tgtEl>
+                                          <p:spTgt spid="3">
+                                            <p:txEl>
+                                              <p:pRg st="3" end="3"/>
+                                            </p:txEl>
+                                          </p:spTgt>
+                                        </p:tgtEl>
+                                        <p:attrNameLst>
+                                          <p:attrName>style.visibility</p:attrName>
+                                        </p:attrNameLst>
+                                      </p:cBhvr>
+                                      <p:to>
+                                        <p:strVal val="visible"/>
+                                      </p:to>
+                                    </p:set>
+                                  </p:childTnLst>
+                                </p:cTn>
+                              </p:par>
+                              <p:par>
+                                <p:cTn id="13" presetID="1" presetClass="entr" presetSubtype="0" fill="hold" grpId="0" nodeType="withEffect">
+                                  <p:stCondLst>
+                                    <p:cond delay="0"/>
+                                  </p:stCondLst>
+                                  <p:childTnLst>
+                                    <p:set>
+                                      <p:cBhvr>
+                                        <p:cTn id="14" dur="1" fill="hold">
+                                          <p:stCondLst>
+                                            <p:cond delay="0"/>
+                                          </p:stCondLst>
+                                        </p:cTn>
+                                        <p:tgtEl>
+                                          <p:spTgt spid="3">
+                                            <p:txEl>
+                                              <p:pRg st="4" end="4"/>
+                                            </p:txEl>
+                                          </p:spTgt>
+                                        </p:tgtEl>
+                                        <p:attrNameLst>
+                                          <p:attrName>style.visibility</p:attrName>
+                                        </p:attrNameLst>
+                                      </p:cBhvr>
+                                      <p:to>
+                                        <p:strVal val="visible"/>
+                                      </p:to>
+                                    </p:set>
+                                  </p:childTnLst>
+                                </p:cTn>
+                              </p:par>
+                              <p:par>
+                                <p:cTn id="15" presetID="1" presetClass="entr" presetSubtype="0" fill="hold" grpId="0" nodeType="withEffect">
+                                  <p:stCondLst>
+                                    <p:cond delay="0"/>
+                                  </p:stCondLst>
+                                  <p:childTnLst>
+                                    <p:set>
+                                      <p:cBhvr>
+                                        <p:cTn id="16" dur="1" fill="hold">
+                                          <p:stCondLst>
+                                            <p:cond delay="0"/>
+                                          </p:stCondLst>
+                                        </p:cTn>
+                                        <p:tgtEl>
+                                          <p:spTgt spid="3">
+                                            <p:txEl>
+                                              <p:pRg st="5" end="5"/>
+                                            </p:txEl>
+                                          </p:spTgt>
+                                        </p:tgtEl>
+                                        <p:attrNameLst>
+                                          <p:attrName>style.visibility</p:attrName>
+                                        </p:attrNameLst>
+                                      </p:cBhvr>
+                                      <p:to>
+                                        <p:strVal val="visible"/>
+                                      </p:to>
+                                    </p:set>
+                                  </p:childTnLst>
+                                </p:cTn>
+                              </p:par>
+                            </p:childTnLst>
+                          </p:cTn>
+                        </p:par>
+                      </p:childTnLst>
+                    </p:cTn>
+                  </p:par>
+                </p:childTnLst>
+              </p:cTn>
+              <p:prevCondLst>
+                <p:cond evt="onPrev" delay="0">
+                  <p:tgtEl>
+                    <p:sldTgt/>
+                  </p:tgtEl>
+                </p:cond>
+              </p:prevCondLst>
+              <p:nextCondLst>
+                <p:cond evt="onNext" delay="0">
+                  <p:tgtEl>
+                    <p:sldTgt/>
+                  </p:tgtEl>
+                </p:cond>
+              </p:nextCondLst>
+            </p:seq>
+          </p:childTnLst>
+        </p:cTn>
       </p:par>
     </p:tnLst>
+    <p:bldLst>
+      <p:bldP spid="3" grpId="0" uiExpand="1" build="p"/>
+    </p:bldLst>
   </p:timing>
 </p:sld>
 </file>
@@ -23572,9 +23797,226 @@
   <p:timing>
     <p:tnLst>
       <p:par>
-        <p:cTn id="1" dur="indefinite" restart="never" nodeType="tmRoot"/>
+        <p:cTn id="1" dur="indefinite" restart="never" nodeType="tmRoot">
+          <p:childTnLst>
+            <p:seq concurrent="1" nextAc="seek">
+              <p:cTn id="2" dur="indefinite" nodeType="mainSeq">
+                <p:childTnLst>
+                  <p:par>
+                    <p:cTn id="3" fill="hold">
+                      <p:stCondLst>
+                        <p:cond delay="indefinite"/>
+                      </p:stCondLst>
+                      <p:childTnLst>
+                        <p:par>
+                          <p:cTn id="4" fill="hold">
+                            <p:stCondLst>
+                              <p:cond delay="0"/>
+                            </p:stCondLst>
+                            <p:childTnLst>
+                              <p:par>
+                                <p:cTn id="5" presetID="1" presetClass="entr" presetSubtype="0" fill="hold" grpId="0" nodeType="clickEffect">
+                                  <p:stCondLst>
+                                    <p:cond delay="0"/>
+                                  </p:stCondLst>
+                                  <p:childTnLst>
+                                    <p:set>
+                                      <p:cBhvr>
+                                        <p:cTn id="6" dur="1" fill="hold">
+                                          <p:stCondLst>
+                                            <p:cond delay="0"/>
+                                          </p:stCondLst>
+                                        </p:cTn>
+                                        <p:tgtEl>
+                                          <p:spTgt spid="3">
+                                            <p:txEl>
+                                              <p:pRg st="0" end="0"/>
+                                            </p:txEl>
+                                          </p:spTgt>
+                                        </p:tgtEl>
+                                        <p:attrNameLst>
+                                          <p:attrName>style.visibility</p:attrName>
+                                        </p:attrNameLst>
+                                      </p:cBhvr>
+                                      <p:to>
+                                        <p:strVal val="visible"/>
+                                      </p:to>
+                                    </p:set>
+                                  </p:childTnLst>
+                                </p:cTn>
+                              </p:par>
+                            </p:childTnLst>
+                          </p:cTn>
+                        </p:par>
+                      </p:childTnLst>
+                    </p:cTn>
+                  </p:par>
+                  <p:par>
+                    <p:cTn id="7" fill="hold">
+                      <p:stCondLst>
+                        <p:cond delay="indefinite"/>
+                      </p:stCondLst>
+                      <p:childTnLst>
+                        <p:par>
+                          <p:cTn id="8" fill="hold">
+                            <p:stCondLst>
+                              <p:cond delay="0"/>
+                            </p:stCondLst>
+                            <p:childTnLst>
+                              <p:par>
+                                <p:cTn id="9" presetID="1" presetClass="entr" presetSubtype="0" fill="hold" grpId="0" nodeType="clickEffect">
+                                  <p:stCondLst>
+                                    <p:cond delay="0"/>
+                                  </p:stCondLst>
+                                  <p:childTnLst>
+                                    <p:set>
+                                      <p:cBhvr>
+                                        <p:cTn id="10" dur="1" fill="hold">
+                                          <p:stCondLst>
+                                            <p:cond delay="0"/>
+                                          </p:stCondLst>
+                                        </p:cTn>
+                                        <p:tgtEl>
+                                          <p:spTgt spid="3">
+                                            <p:txEl>
+                                              <p:pRg st="2" end="2"/>
+                                            </p:txEl>
+                                          </p:spTgt>
+                                        </p:tgtEl>
+                                        <p:attrNameLst>
+                                          <p:attrName>style.visibility</p:attrName>
+                                        </p:attrNameLst>
+                                      </p:cBhvr>
+                                      <p:to>
+                                        <p:strVal val="visible"/>
+                                      </p:to>
+                                    </p:set>
+                                  </p:childTnLst>
+                                </p:cTn>
+                              </p:par>
+                              <p:par>
+                                <p:cTn id="11" presetID="1" presetClass="entr" presetSubtype="0" fill="hold" grpId="0" nodeType="withEffect">
+                                  <p:stCondLst>
+                                    <p:cond delay="0"/>
+                                  </p:stCondLst>
+                                  <p:childTnLst>
+                                    <p:set>
+                                      <p:cBhvr>
+                                        <p:cTn id="12" dur="1" fill="hold">
+                                          <p:stCondLst>
+                                            <p:cond delay="0"/>
+                                          </p:stCondLst>
+                                        </p:cTn>
+                                        <p:tgtEl>
+                                          <p:spTgt spid="3">
+                                            <p:txEl>
+                                              <p:pRg st="3" end="3"/>
+                                            </p:txEl>
+                                          </p:spTgt>
+                                        </p:tgtEl>
+                                        <p:attrNameLst>
+                                          <p:attrName>style.visibility</p:attrName>
+                                        </p:attrNameLst>
+                                      </p:cBhvr>
+                                      <p:to>
+                                        <p:strVal val="visible"/>
+                                      </p:to>
+                                    </p:set>
+                                  </p:childTnLst>
+                                </p:cTn>
+                              </p:par>
+                              <p:par>
+                                <p:cTn id="13" presetID="1" presetClass="entr" presetSubtype="0" fill="hold" grpId="0" nodeType="withEffect">
+                                  <p:stCondLst>
+                                    <p:cond delay="0"/>
+                                  </p:stCondLst>
+                                  <p:childTnLst>
+                                    <p:set>
+                                      <p:cBhvr>
+                                        <p:cTn id="14" dur="1" fill="hold">
+                                          <p:stCondLst>
+                                            <p:cond delay="0"/>
+                                          </p:stCondLst>
+                                        </p:cTn>
+                                        <p:tgtEl>
+                                          <p:spTgt spid="3">
+                                            <p:txEl>
+                                              <p:pRg st="4" end="4"/>
+                                            </p:txEl>
+                                          </p:spTgt>
+                                        </p:tgtEl>
+                                        <p:attrNameLst>
+                                          <p:attrName>style.visibility</p:attrName>
+                                        </p:attrNameLst>
+                                      </p:cBhvr>
+                                      <p:to>
+                                        <p:strVal val="visible"/>
+                                      </p:to>
+                                    </p:set>
+                                  </p:childTnLst>
+                                </p:cTn>
+                              </p:par>
+                              <p:par>
+                                <p:cTn id="15" presetID="1" presetClass="entr" presetSubtype="0" fill="hold" grpId="0" nodeType="withEffect">
+                                  <p:stCondLst>
+                                    <p:cond delay="0"/>
+                                  </p:stCondLst>
+                                  <p:childTnLst>
+                                    <p:set>
+                                      <p:cBhvr>
+                                        <p:cTn id="16" dur="1" fill="hold">
+                                          <p:stCondLst>
+                                            <p:cond delay="0"/>
+                                          </p:stCondLst>
+                                        </p:cTn>
+                                        <p:tgtEl>
+                                          <p:spTgt spid="3">
+                                            <p:txEl>
+                                              <p:pRg st="5" end="5"/>
+                                            </p:txEl>
+                                          </p:spTgt>
+                                        </p:tgtEl>
+                                        <p:attrNameLst>
+                                          <p:attrName>style.visibility</p:attrName>
+                                        </p:attrNameLst>
+                                      </p:cBhvr>
+                                      <p:to>
+                                        <p:strVal val="visible"/>
+                                      </p:to>
+                                    </p:set>
+                                  </p:childTnLst>
+                                </p:cTn>
+                              </p:par>
+                            </p:childTnLst>
+                          </p:cTn>
+                        </p:par>
+                      </p:childTnLst>
+                    </p:cTn>
+                  </p:par>
+                </p:childTnLst>
+              </p:cTn>
+              <p:prevCondLst>
+                <p:cond evt="onPrev" delay="0">
+                  <p:tgtEl>
+                    <p:sldTgt/>
+                  </p:tgtEl>
+                </p:cond>
+              </p:prevCondLst>
+              <p:nextCondLst>
+                <p:cond evt="onNext" delay="0">
+                  <p:tgtEl>
+                    <p:sldTgt/>
+                  </p:tgtEl>
+                </p:cond>
+              </p:nextCondLst>
+            </p:seq>
+          </p:childTnLst>
+        </p:cTn>
       </p:par>
     </p:tnLst>
+    <p:bldLst>
+      <p:bldP spid="3" grpId="0" uiExpand="1" build="p"/>
+    </p:bldLst>
   </p:timing>
 </p:sld>
 </file>
@@ -24863,6 +25305,29 @@
 </file>
 
 <file path=customXml/item1.xml><?xml version="1.0" encoding="utf-8"?>
+<p:properties xmlns:p="http://schemas.microsoft.com/office/2006/metadata/properties" xmlns:xsi="http://www.w3.org/2001/XMLSchema-instance" xmlns:pc="http://schemas.microsoft.com/office/infopath/2007/PartnerControls">
+  <documentManagement>
+    <SharedWithUsers xmlns="a0705aab-28ed-4f14-9e72-801ff7570ecf">
+      <UserInfo>
+        <DisplayName/>
+        <AccountId xsi:nil="true"/>
+        <AccountType/>
+      </UserInfo>
+    </SharedWithUsers>
+  </documentManagement>
+</p:properties>
+</file>
+
+<file path=customXml/item2.xml><?xml version="1.0" encoding="utf-8"?>
+<?mso-contentType ?>
+<FormTemplates xmlns="http://schemas.microsoft.com/sharepoint/v3/contenttype/forms">
+  <Display>DocumentLibraryForm</Display>
+  <Edit>DocumentLibraryForm</Edit>
+  <New>DocumentLibraryForm</New>
+</FormTemplates>
+</file>
+
+<file path=customXml/item3.xml><?xml version="1.0" encoding="utf-8"?>
 <ct:contentTypeSchema xmlns:ct="http://schemas.microsoft.com/office/2006/metadata/contentType" xmlns:ma="http://schemas.microsoft.com/office/2006/metadata/properties/metaAttributes" ct:_="" ma:_="" ma:contentTypeName="Document" ma:contentTypeID="0x010100E6C79711059E8D46ADE79FA0C3FB19E4" ma:contentTypeVersion="3" ma:contentTypeDescription="Create a new document." ma:contentTypeScope="" ma:versionID="daae2b56741e0abbe810b87540851dcc">
   <xsd:schema xmlns:xsd="http://www.w3.org/2001/XMLSchema" xmlns:xs="http://www.w3.org/2001/XMLSchema" xmlns:p="http://schemas.microsoft.com/office/2006/metadata/properties" xmlns:ns2="a0705aab-28ed-4f14-9e72-801ff7570ecf" targetNamespace="http://schemas.microsoft.com/office/2006/metadata/properties" ma:root="true" ma:fieldsID="f0b30d34b8520fcf8862db976c97c465" ns2:_="">
     <xsd:import namespace="a0705aab-28ed-4f14-9e72-801ff7570ecf"/>
@@ -25016,30 +25481,31 @@
 </ct:contentTypeSchema>
 </file>
 
-<file path=customXml/item2.xml><?xml version="1.0" encoding="utf-8"?>
-<?mso-contentType ?>
-<FormTemplates xmlns="http://schemas.microsoft.com/sharepoint/v3/contenttype/forms">
-  <Display>DocumentLibraryForm</Display>
-  <Edit>DocumentLibraryForm</Edit>
-  <New>DocumentLibraryForm</New>
-</FormTemplates>
+<file path=customXml/itemProps1.xml><?xml version="1.0" encoding="utf-8"?>
+<ds:datastoreItem xmlns:ds="http://schemas.openxmlformats.org/officeDocument/2006/customXml" ds:itemID="{1B9FA1EF-CD23-4139-920B-9EDB05CD48C7}">
+  <ds:schemaRefs>
+    <ds:schemaRef ds:uri="http://purl.org/dc/terms/"/>
+    <ds:schemaRef ds:uri="a0705aab-28ed-4f14-9e72-801ff7570ecf"/>
+    <ds:schemaRef ds:uri="http://schemas.microsoft.com/office/infopath/2007/PartnerControls"/>
+    <ds:schemaRef ds:uri="http://purl.org/dc/elements/1.1/"/>
+    <ds:schemaRef ds:uri="http://purl.org/dc/dcmitype/"/>
+    <ds:schemaRef ds:uri="http://schemas.microsoft.com/office/2006/documentManagement/types"/>
+    <ds:schemaRef ds:uri="http://schemas.openxmlformats.org/package/2006/metadata/core-properties"/>
+    <ds:schemaRef ds:uri="http://schemas.microsoft.com/office/2006/metadata/properties"/>
+    <ds:schemaRef ds:uri="http://www.w3.org/XML/1998/namespace"/>
+  </ds:schemaRefs>
+</ds:datastoreItem>
 </file>
 
-<file path=customXml/item3.xml><?xml version="1.0" encoding="utf-8"?>
-<p:properties xmlns:p="http://schemas.microsoft.com/office/2006/metadata/properties" xmlns:xsi="http://www.w3.org/2001/XMLSchema-instance" xmlns:pc="http://schemas.microsoft.com/office/infopath/2007/PartnerControls">
-  <documentManagement>
-    <SharedWithUsers xmlns="a0705aab-28ed-4f14-9e72-801ff7570ecf">
-      <UserInfo>
-        <DisplayName/>
-        <AccountId xsi:nil="true"/>
-        <AccountType/>
-      </UserInfo>
-    </SharedWithUsers>
-  </documentManagement>
-</p:properties>
+<file path=customXml/itemProps2.xml><?xml version="1.0" encoding="utf-8"?>
+<ds:datastoreItem xmlns:ds="http://schemas.openxmlformats.org/officeDocument/2006/customXml" ds:itemID="{B72FCBA9-0E7F-4D64-B543-2B2870B85E8B}">
+  <ds:schemaRefs>
+    <ds:schemaRef ds:uri="http://schemas.microsoft.com/sharepoint/v3/contenttype/forms"/>
+  </ds:schemaRefs>
+</ds:datastoreItem>
 </file>
 
-<file path=customXml/itemProps1.xml><?xml version="1.0" encoding="utf-8"?>
+<file path=customXml/itemProps3.xml><?xml version="1.0" encoding="utf-8"?>
 <ds:datastoreItem xmlns:ds="http://schemas.openxmlformats.org/officeDocument/2006/customXml" ds:itemID="{2FC737D2-C1B5-44D0-A2B8-92C1B285B18D}">
   <ds:schemaRefs>
     <ds:schemaRef ds:uri="http://schemas.microsoft.com/office/2006/metadata/contentType"/>
@@ -25055,28 +25521,4 @@
     <ds:schemaRef ds:uri="http://schemas.microsoft.com/internal/obd"/>
   </ds:schemaRefs>
 </ds:datastoreItem>
-</file>
-
-<file path=customXml/itemProps2.xml><?xml version="1.0" encoding="utf-8"?>
-<ds:datastoreItem xmlns:ds="http://schemas.openxmlformats.org/officeDocument/2006/customXml" ds:itemID="{B72FCBA9-0E7F-4D64-B543-2B2870B85E8B}">
-  <ds:schemaRefs>
-    <ds:schemaRef ds:uri="http://schemas.microsoft.com/sharepoint/v3/contenttype/forms"/>
-  </ds:schemaRefs>
-</ds:datastoreItem>
-</file>
-
-<file path=customXml/itemProps3.xml><?xml version="1.0" encoding="utf-8"?>
-<ds:datastoreItem xmlns:ds="http://schemas.openxmlformats.org/officeDocument/2006/customXml" ds:itemID="{1B9FA1EF-CD23-4139-920B-9EDB05CD48C7}">
-  <ds:schemaRefs>
-    <ds:schemaRef ds:uri="http://purl.org/dc/terms/"/>
-    <ds:schemaRef ds:uri="a0705aab-28ed-4f14-9e72-801ff7570ecf"/>
-    <ds:schemaRef ds:uri="http://schemas.microsoft.com/office/infopath/2007/PartnerControls"/>
-    <ds:schemaRef ds:uri="http://purl.org/dc/elements/1.1/"/>
-    <ds:schemaRef ds:uri="http://purl.org/dc/dcmitype/"/>
-    <ds:schemaRef ds:uri="http://schemas.microsoft.com/office/2006/documentManagement/types"/>
-    <ds:schemaRef ds:uri="http://schemas.openxmlformats.org/package/2006/metadata/core-properties"/>
-    <ds:schemaRef ds:uri="http://schemas.microsoft.com/office/2006/metadata/properties"/>
-    <ds:schemaRef ds:uri="http://www.w3.org/XML/1998/namespace"/>
-  </ds:schemaRefs>
-</ds:datastoreItem>
 </file>
--- a/Presentation.pptx
+++ b/Presentation.pptx
@@ -5,10 +5,10 @@
     <p:sldMasterId id="2147483648" r:id="rId4"/>
   </p:sldMasterIdLst>
   <p:notesMasterIdLst>
-    <p:notesMasterId r:id="rId28"/>
+    <p:notesMasterId r:id="rId30"/>
   </p:notesMasterIdLst>
   <p:handoutMasterIdLst>
-    <p:handoutMasterId r:id="rId29"/>
+    <p:handoutMasterId r:id="rId31"/>
   </p:handoutMasterIdLst>
   <p:sldIdLst>
     <p:sldId id="256" r:id="rId5"/>
@@ -20,20 +20,22 @@
     <p:sldId id="262" r:id="rId11"/>
     <p:sldId id="263" r:id="rId12"/>
     <p:sldId id="264" r:id="rId13"/>
-    <p:sldId id="265" r:id="rId14"/>
-    <p:sldId id="266" r:id="rId15"/>
-    <p:sldId id="270" r:id="rId16"/>
-    <p:sldId id="267" r:id="rId17"/>
-    <p:sldId id="271" r:id="rId18"/>
-    <p:sldId id="268" r:id="rId19"/>
-    <p:sldId id="272" r:id="rId20"/>
-    <p:sldId id="269" r:id="rId21"/>
-    <p:sldId id="273" r:id="rId22"/>
-    <p:sldId id="274" r:id="rId23"/>
-    <p:sldId id="275" r:id="rId24"/>
-    <p:sldId id="276" r:id="rId25"/>
-    <p:sldId id="277" r:id="rId26"/>
-    <p:sldId id="278" r:id="rId27"/>
+    <p:sldId id="279" r:id="rId14"/>
+    <p:sldId id="265" r:id="rId15"/>
+    <p:sldId id="266" r:id="rId16"/>
+    <p:sldId id="270" r:id="rId17"/>
+    <p:sldId id="267" r:id="rId18"/>
+    <p:sldId id="271" r:id="rId19"/>
+    <p:sldId id="268" r:id="rId20"/>
+    <p:sldId id="272" r:id="rId21"/>
+    <p:sldId id="269" r:id="rId22"/>
+    <p:sldId id="273" r:id="rId23"/>
+    <p:sldId id="280" r:id="rId24"/>
+    <p:sldId id="274" r:id="rId25"/>
+    <p:sldId id="275" r:id="rId26"/>
+    <p:sldId id="276" r:id="rId27"/>
+    <p:sldId id="277" r:id="rId28"/>
+    <p:sldId id="278" r:id="rId29"/>
   </p:sldIdLst>
   <p:sldSz cx="12190413" cy="6859588"/>
   <p:notesSz cx="6858000" cy="9144000"/>
@@ -247,7 +249,7 @@
           <a:p>
             <a:fld id="{78D5E657-C75E-4190-B3C3-105C9C4260DF}" type="datetimeFigureOut">
               <a:rPr lang="en-AU" smtClean="0"/>
-              <a:t>26/05/2015</a:t>
+              <a:t>28/05/2015</a:t>
             </a:fld>
             <a:endParaRPr lang="en-AU"/>
           </a:p>
@@ -412,7 +414,7 @@
           <a:p>
             <a:fld id="{B2842A88-9C46-4A82-BC64-6521039314F7}" type="datetimeFigureOut">
               <a:rPr lang="en-AU" smtClean="0"/>
-              <a:t>26/05/2015</a:t>
+              <a:t>28/05/2015</a:t>
             </a:fld>
             <a:endParaRPr lang="en-AU"/>
           </a:p>
@@ -1074,7 +1076,7 @@
           <a:p>
             <a:fld id="{325FB293-4812-4AD5-9D7B-16C5960DBBF9}" type="slidenum">
               <a:rPr lang="en-AU" smtClean="0"/>
-              <a:t>10</a:t>
+              <a:t>11</a:t>
             </a:fld>
             <a:endParaRPr lang="en-AU"/>
           </a:p>
@@ -1162,7 +1164,7 @@
           <a:p>
             <a:fld id="{325FB293-4812-4AD5-9D7B-16C5960DBBF9}" type="slidenum">
               <a:rPr lang="en-AU" smtClean="0"/>
-              <a:t>15</a:t>
+              <a:t>16</a:t>
             </a:fld>
             <a:endParaRPr lang="en-AU"/>
           </a:p>
@@ -1250,7 +1252,7 @@
           <a:p>
             <a:fld id="{325FB293-4812-4AD5-9D7B-16C5960DBBF9}" type="slidenum">
               <a:rPr lang="en-AU" smtClean="0"/>
-              <a:t>16</a:t>
+              <a:t>17</a:t>
             </a:fld>
             <a:endParaRPr lang="en-AU"/>
           </a:p>
@@ -1338,7 +1340,7 @@
             <a:fld id="{D5202F35-1E60-44E7-A8CA-65A043171768}" type="datetime1">
               <a:rPr lang="en-AU" smtClean="0"/>
               <a:pPr/>
-              <a:t>26/05/2015</a:t>
+              <a:t>28/05/2015</a:t>
             </a:fld>
             <a:endParaRPr lang="en-AU"/>
           </a:p>
@@ -2533,7 +2535,7 @@
           <a:p>
             <a:fld id="{81365592-B95A-4E1B-8688-B9BAC9237151}" type="datetime1">
               <a:rPr lang="en-AU" smtClean="0"/>
-              <a:t>26/05/2015</a:t>
+              <a:t>28/05/2015</a:t>
             </a:fld>
             <a:endParaRPr lang="en-AU"/>
           </a:p>
@@ -3329,7 +3331,7 @@
           <a:p>
             <a:fld id="{AD4CC7D5-0035-4193-9F83-5592C7C73289}" type="datetime1">
               <a:rPr lang="en-AU" smtClean="0"/>
-              <a:t>26/05/2015</a:t>
+              <a:t>28/05/2015</a:t>
             </a:fld>
             <a:endParaRPr lang="en-AU"/>
           </a:p>
@@ -6061,7 +6063,7 @@
           <a:p>
             <a:fld id="{AB9362CC-52A7-47E4-B186-2D952EF52122}" type="datetime1">
               <a:rPr lang="en-AU" smtClean="0"/>
-              <a:t>26/05/2015</a:t>
+              <a:t>28/05/2015</a:t>
             </a:fld>
             <a:endParaRPr lang="en-AU"/>
           </a:p>
@@ -6160,7 +6162,7 @@
           <a:p>
             <a:fld id="{F27C2E27-7A8C-4707-AD07-B4E8FCCC602F}" type="datetime1">
               <a:rPr lang="en-AU" smtClean="0"/>
-              <a:t>26/05/2015</a:t>
+              <a:t>28/05/2015</a:t>
             </a:fld>
             <a:endParaRPr lang="en-AU"/>
           </a:p>
@@ -6289,7 +6291,7 @@
           <a:p>
             <a:fld id="{3345A4CD-9276-444C-86E6-50A9930741D5}" type="datetime1">
               <a:rPr lang="en-AU" smtClean="0"/>
-              <a:t>26/05/2015</a:t>
+              <a:t>28/05/2015</a:t>
             </a:fld>
             <a:endParaRPr lang="en-AU"/>
           </a:p>
@@ -6588,7 +6590,7 @@
           <a:p>
             <a:fld id="{1695342B-6DF4-46BE-B3B0-0C35B6698BA5}" type="datetime1">
               <a:rPr lang="en-AU" smtClean="0"/>
-              <a:t>26/05/2015</a:t>
+              <a:t>28/05/2015</a:t>
             </a:fld>
             <a:endParaRPr lang="en-AU"/>
           </a:p>
@@ -7019,7 +7021,7 @@
             <a:fld id="{2AB80E0E-1F2C-4E6E-B168-928DCCD9FC96}" type="datetime1">
               <a:rPr lang="en-AU" smtClean="0"/>
               <a:pPr/>
-              <a:t>26/05/2015</a:t>
+              <a:t>28/05/2015</a:t>
             </a:fld>
             <a:endParaRPr lang="en-AU"/>
           </a:p>
@@ -7432,7 +7434,7 @@
             <a:fld id="{2AB80E0E-1F2C-4E6E-B168-928DCCD9FC96}" type="datetime1">
               <a:rPr lang="en-AU" smtClean="0"/>
               <a:pPr/>
-              <a:t>26/05/2015</a:t>
+              <a:t>28/05/2015</a:t>
             </a:fld>
             <a:endParaRPr lang="en-AU"/>
           </a:p>
@@ -8064,7 +8066,7 @@
             <a:fld id="{2AB80E0E-1F2C-4E6E-B168-928DCCD9FC96}" type="datetime1">
               <a:rPr lang="en-AU" smtClean="0"/>
               <a:pPr/>
-              <a:t>26/05/2015</a:t>
+              <a:t>28/05/2015</a:t>
             </a:fld>
             <a:endParaRPr lang="en-AU"/>
           </a:p>
@@ -8477,7 +8479,7 @@
             <a:fld id="{2AB80E0E-1F2C-4E6E-B168-928DCCD9FC96}" type="datetime1">
               <a:rPr lang="en-AU" smtClean="0"/>
               <a:pPr/>
-              <a:t>26/05/2015</a:t>
+              <a:t>28/05/2015</a:t>
             </a:fld>
             <a:endParaRPr lang="en-AU"/>
           </a:p>
@@ -8890,7 +8892,7 @@
             <a:fld id="{2AB80E0E-1F2C-4E6E-B168-928DCCD9FC96}" type="datetime1">
               <a:rPr lang="en-AU" smtClean="0"/>
               <a:pPr/>
-              <a:t>26/05/2015</a:t>
+              <a:t>28/05/2015</a:t>
             </a:fld>
             <a:endParaRPr lang="en-AU"/>
           </a:p>
@@ -9303,7 +9305,7 @@
             <a:fld id="{2AB80E0E-1F2C-4E6E-B168-928DCCD9FC96}" type="datetime1">
               <a:rPr lang="en-AU" smtClean="0"/>
               <a:pPr/>
-              <a:t>26/05/2015</a:t>
+              <a:t>28/05/2015</a:t>
             </a:fld>
             <a:endParaRPr lang="en-AU"/>
           </a:p>
@@ -9756,7 +9758,7 @@
           <a:p>
             <a:fld id="{94480E61-56EE-4ADF-8779-ECE37FDE8329}" type="datetime1">
               <a:rPr lang="en-AU" smtClean="0"/>
-              <a:t>26/05/2015</a:t>
+              <a:t>28/05/2015</a:t>
             </a:fld>
             <a:endParaRPr lang="en-AU"/>
           </a:p>
@@ -10197,7 +10199,7 @@
           <a:p>
             <a:fld id="{18DF6330-03F8-4D88-A646-B563CDC9AF8D}" type="datetime1">
               <a:rPr lang="en-AU" smtClean="0"/>
-              <a:t>26/05/2015</a:t>
+              <a:t>28/05/2015</a:t>
             </a:fld>
             <a:endParaRPr lang="en-AU"/>
           </a:p>
@@ -10548,7 +10550,7 @@
           <a:p>
             <a:fld id="{D0044588-2A83-44A9-A3CC-C3B7B17A5165}" type="datetime1">
               <a:rPr lang="en-AU" smtClean="0"/>
-              <a:t>26/05/2015</a:t>
+              <a:t>28/05/2015</a:t>
             </a:fld>
             <a:endParaRPr lang="en-AU"/>
           </a:p>
@@ -10989,7 +10991,7 @@
           <a:p>
             <a:fld id="{41D22EE6-4B31-412E-8723-91D4ADC54A19}" type="datetime1">
               <a:rPr lang="en-AU" smtClean="0"/>
-              <a:t>26/05/2015</a:t>
+              <a:t>28/05/2015</a:t>
             </a:fld>
             <a:endParaRPr lang="en-AU"/>
           </a:p>
@@ -11340,7 +11342,7 @@
           <a:p>
             <a:fld id="{DA261D82-8DC8-458B-8902-24081A8340A2}" type="datetime1">
               <a:rPr lang="en-AU" smtClean="0"/>
-              <a:t>26/05/2015</a:t>
+              <a:t>28/05/2015</a:t>
             </a:fld>
             <a:endParaRPr lang="en-AU"/>
           </a:p>
@@ -11683,7 +11685,7 @@
           <a:p>
             <a:fld id="{420BB56F-B44B-46AA-97B1-CA041AECB16C}" type="datetime1">
               <a:rPr lang="en-AU" smtClean="0"/>
-              <a:t>26/05/2015</a:t>
+              <a:t>28/05/2015</a:t>
             </a:fld>
             <a:endParaRPr lang="en-AU"/>
           </a:p>
@@ -12201,7 +12203,7 @@
           <a:p>
             <a:fld id="{1695342B-6DF4-46BE-B3B0-0C35B6698BA5}" type="datetime1">
               <a:rPr lang="en-AU" smtClean="0"/>
-              <a:t>26/05/2015</a:t>
+              <a:t>28/05/2015</a:t>
             </a:fld>
             <a:endParaRPr lang="en-AU"/>
           </a:p>
@@ -12435,7 +12437,7 @@
           <a:p>
             <a:fld id="{5DF3D236-8947-4982-93B0-9FCFCBDDAAAA}" type="datetime1">
               <a:rPr lang="en-AU" smtClean="0"/>
-              <a:t>26/05/2015</a:t>
+              <a:t>28/05/2015</a:t>
             </a:fld>
             <a:endParaRPr lang="en-AU"/>
           </a:p>
@@ -12669,7 +12671,7 @@
           <a:p>
             <a:fld id="{07585B30-36BA-40E4-B8EC-C9A276584755}" type="datetime1">
               <a:rPr lang="en-AU" smtClean="0"/>
-              <a:t>26/05/2015</a:t>
+              <a:t>28/05/2015</a:t>
             </a:fld>
             <a:endParaRPr lang="en-AU"/>
           </a:p>
@@ -12903,7 +12905,7 @@
           <a:p>
             <a:fld id="{0101A2FF-CDC1-40C1-873E-97295C411EAE}" type="datetime1">
               <a:rPr lang="en-AU" smtClean="0"/>
-              <a:t>26/05/2015</a:t>
+              <a:t>28/05/2015</a:t>
             </a:fld>
             <a:endParaRPr lang="en-AU"/>
           </a:p>
@@ -13137,7 +13139,7 @@
           <a:p>
             <a:fld id="{BA96EB8D-2F5F-4C3C-9779-37FE3E8D3195}" type="datetime1">
               <a:rPr lang="en-AU" smtClean="0"/>
-              <a:t>26/05/2015</a:t>
+              <a:t>28/05/2015</a:t>
             </a:fld>
             <a:endParaRPr lang="en-AU"/>
           </a:p>
@@ -13371,7 +13373,7 @@
           <a:p>
             <a:fld id="{D0C959DE-A79C-459E-8034-77D6B0EBD4F3}" type="datetime1">
               <a:rPr lang="en-AU" smtClean="0"/>
-              <a:t>26/05/2015</a:t>
+              <a:t>28/05/2015</a:t>
             </a:fld>
             <a:endParaRPr lang="en-AU"/>
           </a:p>
@@ -13613,7 +13615,7 @@
           <a:p>
             <a:fld id="{C6CAFF4A-1ACD-4FAE-A33D-FFAFDD26098E}" type="datetime1">
               <a:rPr lang="en-AU" smtClean="0"/>
-              <a:t>26/05/2015</a:t>
+              <a:t>28/05/2015</a:t>
             </a:fld>
             <a:endParaRPr lang="en-AU"/>
           </a:p>
@@ -13847,7 +13849,7 @@
           <a:p>
             <a:fld id="{204F744D-E263-4258-9535-CA1100C058C5}" type="datetime1">
               <a:rPr lang="en-AU" smtClean="0"/>
-              <a:t>26/05/2015</a:t>
+              <a:t>28/05/2015</a:t>
             </a:fld>
             <a:endParaRPr lang="en-AU"/>
           </a:p>
@@ -14081,7 +14083,7 @@
           <a:p>
             <a:fld id="{E19FA2E3-1277-4A05-A117-6DAAA0A59214}" type="datetime1">
               <a:rPr lang="en-AU" smtClean="0"/>
-              <a:t>26/05/2015</a:t>
+              <a:t>28/05/2015</a:t>
             </a:fld>
             <a:endParaRPr lang="en-AU"/>
           </a:p>
@@ -14315,7 +14317,7 @@
           <a:p>
             <a:fld id="{CD818C87-C82A-4436-B0CF-391780521B37}" type="datetime1">
               <a:rPr lang="en-AU" smtClean="0"/>
-              <a:t>26/05/2015</a:t>
+              <a:t>28/05/2015</a:t>
             </a:fld>
             <a:endParaRPr lang="en-AU"/>
           </a:p>
@@ -14768,7 +14770,7 @@
           <a:p>
             <a:fld id="{FAE3E39A-5791-4850-A246-16D6E2F6AEB6}" type="datetime1">
               <a:rPr lang="en-AU" smtClean="0"/>
-              <a:t>26/05/2015</a:t>
+              <a:t>28/05/2015</a:t>
             </a:fld>
             <a:endParaRPr lang="en-AU"/>
           </a:p>
@@ -15002,7 +15004,7 @@
           <a:p>
             <a:fld id="{7C98056B-DCE9-4980-AB4F-9933835EDDF0}" type="datetime1">
               <a:rPr lang="en-AU" smtClean="0"/>
-              <a:t>26/05/2015</a:t>
+              <a:t>28/05/2015</a:t>
             </a:fld>
             <a:endParaRPr lang="en-AU"/>
           </a:p>
@@ -16532,7 +16534,7 @@
           <a:p>
             <a:fld id="{2AB80E0E-1F2C-4E6E-B168-928DCCD9FC96}" type="datetime1">
               <a:rPr lang="en-AU" smtClean="0"/>
-              <a:t>26/05/2015</a:t>
+              <a:t>28/05/2015</a:t>
             </a:fld>
             <a:endParaRPr lang="en-AU"/>
           </a:p>
@@ -16810,7 +16812,7 @@
             <a:fld id="{D5202F35-1E60-44E7-A8CA-65A043171768}" type="datetime1">
               <a:rPr lang="en-AU" smtClean="0"/>
               <a:pPr/>
-              <a:t>26/05/2015</a:t>
+              <a:t>28/05/2015</a:t>
             </a:fld>
             <a:endParaRPr lang="en-AU"/>
           </a:p>
@@ -17247,7 +17249,7 @@
             <a:fld id="{094FD292-6CBB-42F0-8BF6-EA5D415F7BA5}" type="datetime1">
               <a:rPr lang="en-AU" smtClean="0"/>
               <a:pPr/>
-              <a:t>26/05/2015</a:t>
+              <a:t>28/05/2015</a:t>
             </a:fld>
             <a:endParaRPr lang="en-AU" dirty="0"/>
           </a:p>
@@ -17920,8 +17922,8 @@
           <a:lstStyle/>
           <a:p>
             <a:r>
-              <a:rPr lang="en-AU" dirty="0" smtClean="0"/>
-              <a:t>Goals</a:t>
+              <a:rPr lang="en-US" dirty="0" smtClean="0"/>
+              <a:t>Show me the code</a:t>
             </a:r>
             <a:endParaRPr lang="en-AU" dirty="0"/>
           </a:p>
@@ -17929,12 +17931,12 @@
       </p:sp>
       <p:sp>
         <p:nvSpPr>
-          <p:cNvPr id="3" name="Content Placeholder 2"/>
-          <p:cNvSpPr>
-            <a:spLocks noGrp="1"/>
-          </p:cNvSpPr>
-          <p:nvPr>
-            <p:ph idx="1"/>
+          <p:cNvPr id="3" name="Footer Placeholder 2"/>
+          <p:cNvSpPr>
+            <a:spLocks noGrp="1"/>
+          </p:cNvSpPr>
+          <p:nvPr>
+            <p:ph type="ftr" sz="quarter" idx="11"/>
           </p:nvPr>
         </p:nvSpPr>
         <p:spPr/>
@@ -17943,20 +17945,8 @@
           <a:lstStyle/>
           <a:p>
             <a:r>
-              <a:rPr lang="en-AU" dirty="0" smtClean="0"/>
-              <a:t>Consistency</a:t>
-            </a:r>
-          </a:p>
-          <a:p>
-            <a:r>
-              <a:rPr lang="en-AU" dirty="0" smtClean="0"/>
-              <a:t>Clarity of intent</a:t>
-            </a:r>
-          </a:p>
-          <a:p>
-            <a:r>
-              <a:rPr lang="en-AU" dirty="0" smtClean="0"/>
-              <a:t>Maintainability</a:t>
+              <a:rPr lang="en-AU" smtClean="0"/>
+              <a:t>/ Copyright ©2014 by Readify Limited</a:t>
             </a:r>
             <a:endParaRPr lang="en-AU" dirty="0"/>
           </a:p>
@@ -17964,12 +17954,12 @@
       </p:sp>
       <p:sp>
         <p:nvSpPr>
-          <p:cNvPr id="4" name="Footer Placeholder 3"/>
-          <p:cNvSpPr>
-            <a:spLocks noGrp="1"/>
-          </p:cNvSpPr>
-          <p:nvPr>
-            <p:ph type="ftr" sz="quarter" idx="11"/>
+          <p:cNvPr id="4" name="Slide Number Placeholder 3"/>
+          <p:cNvSpPr>
+            <a:spLocks noGrp="1"/>
+          </p:cNvSpPr>
+          <p:nvPr>
+            <p:ph type="sldNum" sz="quarter" idx="12"/>
           </p:nvPr>
         </p:nvSpPr>
         <p:spPr/>
@@ -17977,41 +17967,19 @@
           <a:bodyPr/>
           <a:lstStyle/>
           <a:p>
-            <a:r>
-              <a:rPr lang="en-AU" smtClean="0"/>
-              <a:t>/ Copyright ©2014 by Readify Limited</a:t>
-            </a:r>
-            <a:endParaRPr lang="en-AU" dirty="0"/>
-          </a:p>
-        </p:txBody>
-      </p:sp>
-      <p:sp>
-        <p:nvSpPr>
-          <p:cNvPr id="5" name="Slide Number Placeholder 4"/>
-          <p:cNvSpPr>
-            <a:spLocks noGrp="1"/>
-          </p:cNvSpPr>
-          <p:nvPr>
-            <p:ph type="sldNum" sz="quarter" idx="12"/>
-          </p:nvPr>
-        </p:nvSpPr>
-        <p:spPr/>
-        <p:txBody>
-          <a:bodyPr/>
-          <a:lstStyle/>
-          <a:p>
             <a:fld id="{1DEBBDC7-4A1B-43E6-8DA6-58148E08E8A6}" type="slidenum">
               <a:rPr lang="en-AU" smtClean="0"/>
+              <a:pPr/>
               <a:t>10</a:t>
             </a:fld>
-            <a:endParaRPr lang="en-AU"/>
+            <a:endParaRPr lang="en-AU" dirty="0"/>
           </a:p>
         </p:txBody>
       </p:sp>
     </p:spTree>
     <p:extLst>
       <p:ext uri="{BB962C8B-B14F-4D97-AF65-F5344CB8AC3E}">
-        <p14:creationId xmlns:p14="http://schemas.microsoft.com/office/powerpoint/2010/main" val="4088495070"/>
+        <p14:creationId xmlns:p14="http://schemas.microsoft.com/office/powerpoint/2010/main" val="3137709342"/>
       </p:ext>
     </p:extLst>
   </p:cSld>
@@ -18061,6 +18029,147 @@
           <a:lstStyle/>
           <a:p>
             <a:r>
+              <a:rPr lang="en-AU" dirty="0" smtClean="0"/>
+              <a:t>Goals</a:t>
+            </a:r>
+            <a:endParaRPr lang="en-AU" dirty="0"/>
+          </a:p>
+        </p:txBody>
+      </p:sp>
+      <p:sp>
+        <p:nvSpPr>
+          <p:cNvPr id="3" name="Content Placeholder 2"/>
+          <p:cNvSpPr>
+            <a:spLocks noGrp="1"/>
+          </p:cNvSpPr>
+          <p:nvPr>
+            <p:ph idx="1"/>
+          </p:nvPr>
+        </p:nvSpPr>
+        <p:spPr/>
+        <p:txBody>
+          <a:bodyPr/>
+          <a:lstStyle/>
+          <a:p>
+            <a:r>
+              <a:rPr lang="en-AU" dirty="0" smtClean="0"/>
+              <a:t>Consistency</a:t>
+            </a:r>
+          </a:p>
+          <a:p>
+            <a:r>
+              <a:rPr lang="en-AU" dirty="0" smtClean="0"/>
+              <a:t>Clarity of intent</a:t>
+            </a:r>
+          </a:p>
+          <a:p>
+            <a:r>
+              <a:rPr lang="en-AU" dirty="0" smtClean="0"/>
+              <a:t>Maintainability</a:t>
+            </a:r>
+            <a:endParaRPr lang="en-AU" dirty="0"/>
+          </a:p>
+        </p:txBody>
+      </p:sp>
+      <p:sp>
+        <p:nvSpPr>
+          <p:cNvPr id="4" name="Footer Placeholder 3"/>
+          <p:cNvSpPr>
+            <a:spLocks noGrp="1"/>
+          </p:cNvSpPr>
+          <p:nvPr>
+            <p:ph type="ftr" sz="quarter" idx="11"/>
+          </p:nvPr>
+        </p:nvSpPr>
+        <p:spPr/>
+        <p:txBody>
+          <a:bodyPr/>
+          <a:lstStyle/>
+          <a:p>
+            <a:r>
+              <a:rPr lang="en-AU" smtClean="0"/>
+              <a:t>/ Copyright ©2014 by Readify Limited</a:t>
+            </a:r>
+            <a:endParaRPr lang="en-AU" dirty="0"/>
+          </a:p>
+        </p:txBody>
+      </p:sp>
+      <p:sp>
+        <p:nvSpPr>
+          <p:cNvPr id="5" name="Slide Number Placeholder 4"/>
+          <p:cNvSpPr>
+            <a:spLocks noGrp="1"/>
+          </p:cNvSpPr>
+          <p:nvPr>
+            <p:ph type="sldNum" sz="quarter" idx="12"/>
+          </p:nvPr>
+        </p:nvSpPr>
+        <p:spPr/>
+        <p:txBody>
+          <a:bodyPr/>
+          <a:lstStyle/>
+          <a:p>
+            <a:fld id="{1DEBBDC7-4A1B-43E6-8DA6-58148E08E8A6}" type="slidenum">
+              <a:rPr lang="en-AU" smtClean="0"/>
+              <a:t>11</a:t>
+            </a:fld>
+            <a:endParaRPr lang="en-AU"/>
+          </a:p>
+        </p:txBody>
+      </p:sp>
+    </p:spTree>
+    <p:extLst>
+      <p:ext uri="{BB962C8B-B14F-4D97-AF65-F5344CB8AC3E}">
+        <p14:creationId xmlns:p14="http://schemas.microsoft.com/office/powerpoint/2010/main" val="4088495070"/>
+      </p:ext>
+    </p:extLst>
+  </p:cSld>
+  <p:clrMapOvr>
+    <a:masterClrMapping/>
+  </p:clrMapOvr>
+  <p:timing>
+    <p:tnLst>
+      <p:par>
+        <p:cTn id="1" dur="indefinite" restart="never" nodeType="tmRoot"/>
+      </p:par>
+    </p:tnLst>
+  </p:timing>
+</p:sld>
+</file>
+
+<file path=ppt/slides/slide12.xml><?xml version="1.0" encoding="utf-8"?>
+<p:sld xmlns:a="http://schemas.openxmlformats.org/drawingml/2006/main" xmlns:r="http://schemas.openxmlformats.org/officeDocument/2006/relationships" xmlns:p="http://schemas.openxmlformats.org/presentationml/2006/main">
+  <p:cSld>
+    <p:spTree>
+      <p:nvGrpSpPr>
+        <p:cNvPr id="1" name=""/>
+        <p:cNvGrpSpPr/>
+        <p:nvPr/>
+      </p:nvGrpSpPr>
+      <p:grpSpPr>
+        <a:xfrm>
+          <a:off x="0" y="0"/>
+          <a:ext cx="0" cy="0"/>
+          <a:chOff x="0" y="0"/>
+          <a:chExt cx="0" cy="0"/>
+        </a:xfrm>
+      </p:grpSpPr>
+      <p:sp>
+        <p:nvSpPr>
+          <p:cNvPr id="2" name="Title 1"/>
+          <p:cNvSpPr>
+            <a:spLocks noGrp="1"/>
+          </p:cNvSpPr>
+          <p:nvPr>
+            <p:ph type="title"/>
+          </p:nvPr>
+        </p:nvSpPr>
+        <p:spPr/>
+        <p:txBody>
+          <a:bodyPr/>
+          <a:lstStyle/>
+          <a:p>
+            <a:r>
               <a:rPr lang="en-AU" dirty="0" err="1" smtClean="0">
                 <a:solidFill>
                   <a:schemeClr val="tx1"/>
@@ -18205,7 +18314,7 @@
           <a:p>
             <a:fld id="{1DEBBDC7-4A1B-43E6-8DA6-58148E08E8A6}" type="slidenum">
               <a:rPr lang="en-AU" smtClean="0"/>
-              <a:t>11</a:t>
+              <a:t>12</a:t>
             </a:fld>
             <a:endParaRPr lang="en-AU"/>
           </a:p>
@@ -18668,7 +18777,7 @@
 </p:sld>
 </file>
 
-<file path=ppt/slides/slide12.xml><?xml version="1.0" encoding="utf-8"?>
+<file path=ppt/slides/slide13.xml><?xml version="1.0" encoding="utf-8"?>
 <p:sld xmlns:a="http://schemas.openxmlformats.org/drawingml/2006/main" xmlns:r="http://schemas.openxmlformats.org/officeDocument/2006/relationships" xmlns:p="http://schemas.openxmlformats.org/presentationml/2006/main">
   <p:cSld>
     <p:spTree>
@@ -18857,7 +18966,7 @@
           <a:p>
             <a:fld id="{1DEBBDC7-4A1B-43E6-8DA6-58148E08E8A6}" type="slidenum">
               <a:rPr lang="en-AU" smtClean="0"/>
-              <a:t>12</a:t>
+              <a:t>13</a:t>
             </a:fld>
             <a:endParaRPr lang="en-AU"/>
           </a:p>
@@ -19139,7 +19248,7 @@
 </p:sld>
 </file>
 
-<file path=ppt/slides/slide13.xml><?xml version="1.0" encoding="utf-8"?>
+<file path=ppt/slides/slide14.xml><?xml version="1.0" encoding="utf-8"?>
 <p:sld xmlns:a="http://schemas.openxmlformats.org/drawingml/2006/main" xmlns:r="http://schemas.openxmlformats.org/officeDocument/2006/relationships" xmlns:p="http://schemas.openxmlformats.org/presentationml/2006/main">
   <p:cSld>
     <p:spTree>
@@ -19359,7 +19468,7 @@
           <a:p>
             <a:fld id="{1DEBBDC7-4A1B-43E6-8DA6-58148E08E8A6}" type="slidenum">
               <a:rPr lang="en-AU" smtClean="0"/>
-              <a:t>13</a:t>
+              <a:t>14</a:t>
             </a:fld>
             <a:endParaRPr lang="en-AU"/>
           </a:p>
@@ -19808,7 +19917,7 @@
 </p:sld>
 </file>
 
-<file path=ppt/slides/slide14.xml><?xml version="1.0" encoding="utf-8"?>
+<file path=ppt/slides/slide15.xml><?xml version="1.0" encoding="utf-8"?>
 <p:sld xmlns:a="http://schemas.openxmlformats.org/drawingml/2006/main" xmlns:r="http://schemas.openxmlformats.org/officeDocument/2006/relationships" xmlns:p="http://schemas.openxmlformats.org/presentationml/2006/main">
   <p:cSld>
     <p:spTree>
@@ -20048,7 +20157,7 @@
           <a:p>
             <a:fld id="{1DEBBDC7-4A1B-43E6-8DA6-58148E08E8A6}" type="slidenum">
               <a:rPr lang="en-AU" smtClean="0"/>
-              <a:t>14</a:t>
+              <a:t>15</a:t>
             </a:fld>
             <a:endParaRPr lang="en-AU"/>
           </a:p>
@@ -20293,7 +20402,7 @@
 </p:sld>
 </file>
 
-<file path=ppt/slides/slide15.xml><?xml version="1.0" encoding="utf-8"?>
+<file path=ppt/slides/slide16.xml><?xml version="1.0" encoding="utf-8"?>
 <p:sld xmlns:a="http://schemas.openxmlformats.org/drawingml/2006/main" xmlns:r="http://schemas.openxmlformats.org/officeDocument/2006/relationships" xmlns:p="http://schemas.openxmlformats.org/presentationml/2006/main">
   <p:cSld>
     <p:spTree>
@@ -20557,7 +20666,7 @@
           <a:p>
             <a:fld id="{1DEBBDC7-4A1B-43E6-8DA6-58148E08E8A6}" type="slidenum">
               <a:rPr lang="en-AU" smtClean="0"/>
-              <a:t>15</a:t>
+              <a:t>16</a:t>
             </a:fld>
             <a:endParaRPr lang="en-AU"/>
           </a:p>
@@ -21038,515 +21147,6 @@
 </p:sld>
 </file>
 
-<file path=ppt/slides/slide16.xml><?xml version="1.0" encoding="utf-8"?>
-<p:sld xmlns:a="http://schemas.openxmlformats.org/drawingml/2006/main" xmlns:r="http://schemas.openxmlformats.org/officeDocument/2006/relationships" xmlns:p="http://schemas.openxmlformats.org/presentationml/2006/main">
-  <p:cSld>
-    <p:spTree>
-      <p:nvGrpSpPr>
-        <p:cNvPr id="1" name=""/>
-        <p:cNvGrpSpPr/>
-        <p:nvPr/>
-      </p:nvGrpSpPr>
-      <p:grpSpPr>
-        <a:xfrm>
-          <a:off x="0" y="0"/>
-          <a:ext cx="0" cy="0"/>
-          <a:chOff x="0" y="0"/>
-          <a:chExt cx="0" cy="0"/>
-        </a:xfrm>
-      </p:grpSpPr>
-      <p:sp>
-        <p:nvSpPr>
-          <p:cNvPr id="2" name="Title 1"/>
-          <p:cNvSpPr>
-            <a:spLocks noGrp="1"/>
-          </p:cNvSpPr>
-          <p:nvPr>
-            <p:ph type="title"/>
-          </p:nvPr>
-        </p:nvSpPr>
-        <p:spPr/>
-        <p:txBody>
-          <a:bodyPr/>
-          <a:lstStyle/>
-          <a:p>
-            <a:r>
-              <a:rPr lang="en-AU" dirty="0" err="1" smtClean="0">
-                <a:solidFill>
-                  <a:schemeClr val="tx1"/>
-                </a:solidFill>
-              </a:rPr>
-              <a:t>TestDataBuilderMother</a:t>
-            </a:r>
-            <a:r>
-              <a:rPr lang="en-AU" baseline="30000" dirty="0" err="1" smtClean="0">
-                <a:solidFill>
-                  <a:schemeClr val="tx1"/>
-                </a:solidFill>
-              </a:rPr>
-              <a:t>TM</a:t>
-            </a:r>
-            <a:r>
-              <a:rPr lang="en-AU" dirty="0" smtClean="0">
-                <a:solidFill>
-                  <a:schemeClr val="tx1"/>
-                </a:solidFill>
-              </a:rPr>
-              <a:t> pattern</a:t>
-            </a:r>
-            <a:endParaRPr lang="en-AU" dirty="0">
-              <a:solidFill>
-                <a:schemeClr val="tx1"/>
-              </a:solidFill>
-            </a:endParaRPr>
-          </a:p>
-        </p:txBody>
-      </p:sp>
-      <p:sp>
-        <p:nvSpPr>
-          <p:cNvPr id="3" name="Content Placeholder 2"/>
-          <p:cNvSpPr>
-            <a:spLocks noGrp="1"/>
-          </p:cNvSpPr>
-          <p:nvPr>
-            <p:ph idx="1"/>
-          </p:nvPr>
-        </p:nvSpPr>
-        <p:spPr>
-          <a:xfrm>
-            <a:off x="838622" y="1694577"/>
-            <a:ext cx="4968552" cy="4527011"/>
-          </a:xfrm>
-        </p:spPr>
-        <p:txBody>
-          <a:bodyPr/>
-          <a:lstStyle/>
-          <a:p>
-            <a:pPr marL="0" indent="0">
-              <a:buNone/>
-            </a:pPr>
-            <a:r>
-              <a:rPr lang="en-AU" dirty="0" smtClean="0">
-                <a:solidFill>
-                  <a:schemeClr val="bg1">
-                    <a:lumMod val="50000"/>
-                  </a:schemeClr>
-                </a:solidFill>
-              </a:rPr>
-              <a:t>Consistent</a:t>
-            </a:r>
-          </a:p>
-          <a:p>
-            <a:pPr marL="0" indent="0">
-              <a:buNone/>
-            </a:pPr>
-            <a:r>
-              <a:rPr lang="en-AU" dirty="0">
-                <a:solidFill>
-                  <a:schemeClr val="bg1">
-                    <a:lumMod val="50000"/>
-                  </a:schemeClr>
-                </a:solidFill>
-              </a:rPr>
-              <a:t>Only 1 </a:t>
-            </a:r>
-            <a:r>
-              <a:rPr lang="en-AU" dirty="0" err="1">
-                <a:solidFill>
-                  <a:schemeClr val="bg1">
-                    <a:lumMod val="50000"/>
-                  </a:schemeClr>
-                </a:solidFill>
-              </a:rPr>
-              <a:t>ctor</a:t>
-            </a:r>
-            <a:r>
-              <a:rPr lang="en-AU" dirty="0">
-                <a:solidFill>
-                  <a:schemeClr val="bg1">
-                    <a:lumMod val="50000"/>
-                  </a:schemeClr>
-                </a:solidFill>
-              </a:rPr>
-              <a:t> call </a:t>
-            </a:r>
-            <a:r>
-              <a:rPr lang="en-AU" dirty="0">
-                <a:solidFill>
-                  <a:schemeClr val="bg1">
-                    <a:lumMod val="50000"/>
-                  </a:schemeClr>
-                </a:solidFill>
-                <a:sym typeface="Wingdings" panose="05000000000000000000" pitchFamily="2" charset="2"/>
-              </a:rPr>
-              <a:t></a:t>
-            </a:r>
-          </a:p>
-          <a:p>
-            <a:pPr marL="0" indent="0">
-              <a:buNone/>
-            </a:pPr>
-            <a:r>
-              <a:rPr lang="en-AU" dirty="0">
-                <a:solidFill>
-                  <a:schemeClr val="bg1">
-                    <a:lumMod val="50000"/>
-                  </a:schemeClr>
-                </a:solidFill>
-                <a:sym typeface="Wingdings" panose="05000000000000000000" pitchFamily="2" charset="2"/>
-              </a:rPr>
-              <a:t>Remove data noise</a:t>
-            </a:r>
-          </a:p>
-          <a:p>
-            <a:pPr marL="0" indent="0">
-              <a:buNone/>
-            </a:pPr>
-            <a:r>
-              <a:rPr lang="en-AU" dirty="0">
-                <a:solidFill>
-                  <a:schemeClr val="bg1">
-                    <a:lumMod val="50000"/>
-                  </a:schemeClr>
-                </a:solidFill>
-                <a:sym typeface="Wingdings" panose="05000000000000000000" pitchFamily="2" charset="2"/>
-              </a:rPr>
-              <a:t>Non-</a:t>
-            </a:r>
-            <a:r>
-              <a:rPr lang="en-AU" dirty="0" err="1">
-                <a:solidFill>
-                  <a:schemeClr val="bg1">
-                    <a:lumMod val="50000"/>
-                  </a:schemeClr>
-                </a:solidFill>
-                <a:sym typeface="Wingdings" panose="05000000000000000000" pitchFamily="2" charset="2"/>
-              </a:rPr>
-              <a:t>ctor</a:t>
-            </a:r>
-            <a:r>
-              <a:rPr lang="en-AU" dirty="0">
-                <a:solidFill>
-                  <a:schemeClr val="bg1">
-                    <a:lumMod val="50000"/>
-                  </a:schemeClr>
-                </a:solidFill>
-                <a:sym typeface="Wingdings" panose="05000000000000000000" pitchFamily="2" charset="2"/>
-              </a:rPr>
-              <a:t> actions</a:t>
-            </a:r>
-          </a:p>
-          <a:p>
-            <a:pPr marL="0" indent="0">
-              <a:buNone/>
-            </a:pPr>
-            <a:r>
-              <a:rPr lang="en-AU" dirty="0">
-                <a:solidFill>
-                  <a:schemeClr val="bg1">
-                    <a:lumMod val="50000"/>
-                  </a:schemeClr>
-                </a:solidFill>
-                <a:sym typeface="Wingdings" panose="05000000000000000000" pitchFamily="2" charset="2"/>
-              </a:rPr>
-              <a:t>Expressive (doco</a:t>
-            </a:r>
-            <a:r>
-              <a:rPr lang="en-AU" dirty="0" smtClean="0">
-                <a:solidFill>
-                  <a:schemeClr val="bg1">
-                    <a:lumMod val="50000"/>
-                  </a:schemeClr>
-                </a:solidFill>
-                <a:sym typeface="Wingdings" panose="05000000000000000000" pitchFamily="2" charset="2"/>
-              </a:rPr>
-              <a:t>)</a:t>
-            </a:r>
-          </a:p>
-          <a:p>
-            <a:pPr marL="0" indent="0">
-              <a:buNone/>
-            </a:pPr>
-            <a:r>
-              <a:rPr lang="en-AU" dirty="0" smtClean="0">
-                <a:solidFill>
-                  <a:schemeClr val="bg1">
-                    <a:lumMod val="50000"/>
-                  </a:schemeClr>
-                </a:solidFill>
-                <a:sym typeface="Wingdings" panose="05000000000000000000" pitchFamily="2" charset="2"/>
-              </a:rPr>
-              <a:t>No repetition</a:t>
-            </a:r>
-            <a:endParaRPr lang="en-AU" dirty="0">
-              <a:solidFill>
-                <a:schemeClr val="bg1">
-                  <a:lumMod val="50000"/>
-                </a:schemeClr>
-              </a:solidFill>
-            </a:endParaRPr>
-          </a:p>
-        </p:txBody>
-      </p:sp>
-      <p:sp>
-        <p:nvSpPr>
-          <p:cNvPr id="4" name="Footer Placeholder 3"/>
-          <p:cNvSpPr>
-            <a:spLocks noGrp="1"/>
-          </p:cNvSpPr>
-          <p:nvPr>
-            <p:ph type="ftr" sz="quarter" idx="11"/>
-          </p:nvPr>
-        </p:nvSpPr>
-        <p:spPr/>
-        <p:txBody>
-          <a:bodyPr/>
-          <a:lstStyle/>
-          <a:p>
-            <a:r>
-              <a:rPr lang="en-AU" smtClean="0"/>
-              <a:t>/ Copyright ©2014 by Readify Limited</a:t>
-            </a:r>
-            <a:endParaRPr lang="en-AU" dirty="0"/>
-          </a:p>
-        </p:txBody>
-      </p:sp>
-      <p:sp>
-        <p:nvSpPr>
-          <p:cNvPr id="5" name="Slide Number Placeholder 4"/>
-          <p:cNvSpPr>
-            <a:spLocks noGrp="1"/>
-          </p:cNvSpPr>
-          <p:nvPr>
-            <p:ph type="sldNum" sz="quarter" idx="12"/>
-          </p:nvPr>
-        </p:nvSpPr>
-        <p:spPr/>
-        <p:txBody>
-          <a:bodyPr/>
-          <a:lstStyle/>
-          <a:p>
-            <a:fld id="{1DEBBDC7-4A1B-43E6-8DA6-58148E08E8A6}" type="slidenum">
-              <a:rPr lang="en-AU" smtClean="0"/>
-              <a:t>16</a:t>
-            </a:fld>
-            <a:endParaRPr lang="en-AU"/>
-          </a:p>
-        </p:txBody>
-      </p:sp>
-      <p:sp>
-        <p:nvSpPr>
-          <p:cNvPr id="7" name="Content Placeholder 2"/>
-          <p:cNvSpPr txBox="1">
-            <a:spLocks/>
-          </p:cNvSpPr>
-          <p:nvPr/>
-        </p:nvSpPr>
-        <p:spPr>
-          <a:xfrm>
-            <a:off x="5918790" y="1694576"/>
-            <a:ext cx="4968552" cy="4527011"/>
-          </a:xfrm>
-          <a:prstGeom prst="rect">
-            <a:avLst/>
-          </a:prstGeom>
-        </p:spPr>
-        <p:txBody>
-          <a:bodyPr vert="horz" lIns="0" tIns="0" rIns="0" bIns="0" rtlCol="0">
-            <a:noAutofit/>
-          </a:bodyPr>
-          <a:lstStyle>
-            <a:lvl1pPr marL="265113" indent="-265113" algn="l" defTabSz="1088502" rtl="0" eaLnBrk="1" latinLnBrk="0" hangingPunct="1">
-              <a:spcBef>
-                <a:spcPts val="1200"/>
-              </a:spcBef>
-              <a:buClr>
-                <a:srgbClr val="E5007E"/>
-              </a:buClr>
-              <a:buFont typeface="Segoe UI" panose="020B0502040204020203" pitchFamily="34" charset="0"/>
-              <a:buChar char="›"/>
-              <a:defRPr sz="3600" kern="1200" spc="0" baseline="0">
-                <a:solidFill>
-                  <a:schemeClr val="tx1"/>
-                </a:solidFill>
-                <a:latin typeface="+mn-lt"/>
-                <a:ea typeface="+mn-ea"/>
-                <a:cs typeface="+mn-cs"/>
-              </a:defRPr>
-            </a:lvl1pPr>
-            <a:lvl2pPr marL="538163" indent="-273050" algn="l" defTabSz="1088502" rtl="0" eaLnBrk="1" latinLnBrk="0" hangingPunct="1">
-              <a:spcBef>
-                <a:spcPts val="0"/>
-              </a:spcBef>
-              <a:buClr>
-                <a:srgbClr val="E5007E"/>
-              </a:buClr>
-              <a:buFont typeface="Segoe UI" panose="020B0502040204020203" pitchFamily="34" charset="0"/>
-              <a:buChar char="›"/>
-              <a:defRPr sz="3600" kern="1200" spc="0" baseline="0">
-                <a:solidFill>
-                  <a:schemeClr val="tx1"/>
-                </a:solidFill>
-                <a:latin typeface="+mn-lt"/>
-                <a:ea typeface="+mn-ea"/>
-                <a:cs typeface="+mn-cs"/>
-              </a:defRPr>
-            </a:lvl2pPr>
-            <a:lvl3pPr marL="803275" indent="-265113" algn="l" defTabSz="1088502" rtl="0" eaLnBrk="1" latinLnBrk="0" hangingPunct="1">
-              <a:spcBef>
-                <a:spcPts val="0"/>
-              </a:spcBef>
-              <a:buClr>
-                <a:srgbClr val="E5007E"/>
-              </a:buClr>
-              <a:buFont typeface="Segoe UI" panose="020B0502040204020203" pitchFamily="34" charset="0"/>
-              <a:buChar char="›"/>
-              <a:defRPr sz="3600" kern="1200" spc="0" baseline="0">
-                <a:solidFill>
-                  <a:schemeClr val="tx1"/>
-                </a:solidFill>
-                <a:latin typeface="+mn-lt"/>
-                <a:ea typeface="+mn-ea"/>
-                <a:cs typeface="+mn-cs"/>
-              </a:defRPr>
-            </a:lvl3pPr>
-            <a:lvl4pPr marL="1076325" indent="-273050" algn="l" defTabSz="1088502" rtl="0" eaLnBrk="1" latinLnBrk="0" hangingPunct="1">
-              <a:spcBef>
-                <a:spcPts val="0"/>
-              </a:spcBef>
-              <a:buClr>
-                <a:srgbClr val="E5007E"/>
-              </a:buClr>
-              <a:buFont typeface="Segoe UI" panose="020B0502040204020203" pitchFamily="34" charset="0"/>
-              <a:buChar char="›"/>
-              <a:defRPr sz="3600" kern="1200" spc="0" baseline="0">
-                <a:solidFill>
-                  <a:schemeClr val="tx1"/>
-                </a:solidFill>
-                <a:latin typeface="+mn-lt"/>
-                <a:ea typeface="+mn-ea"/>
-                <a:cs typeface="+mn-cs"/>
-              </a:defRPr>
-            </a:lvl4pPr>
-            <a:lvl5pPr marL="1341438" indent="-265113" algn="l" defTabSz="1088502" rtl="0" eaLnBrk="1" latinLnBrk="0" hangingPunct="1">
-              <a:spcBef>
-                <a:spcPts val="0"/>
-              </a:spcBef>
-              <a:buClr>
-                <a:srgbClr val="E5007E"/>
-              </a:buClr>
-              <a:buFont typeface="Segoe UI" panose="020B0502040204020203" pitchFamily="34" charset="0"/>
-              <a:buChar char="›"/>
-              <a:defRPr sz="3600" kern="1200" spc="0" baseline="0">
-                <a:solidFill>
-                  <a:schemeClr val="tx1"/>
-                </a:solidFill>
-                <a:latin typeface="+mn-lt"/>
-                <a:ea typeface="+mn-ea"/>
-                <a:cs typeface="+mn-cs"/>
-              </a:defRPr>
-            </a:lvl5pPr>
-            <a:lvl6pPr marL="2993380" indent="-272125" algn="l" defTabSz="1088502" rtl="0" eaLnBrk="1" latinLnBrk="0" hangingPunct="1">
-              <a:spcBef>
-                <a:spcPct val="20000"/>
-              </a:spcBef>
-              <a:buFont typeface="Arial" panose="020B0604020202020204" pitchFamily="34" charset="0"/>
-              <a:buChar char="•"/>
-              <a:defRPr sz="2400" kern="1200">
-                <a:solidFill>
-                  <a:schemeClr val="tx1"/>
-                </a:solidFill>
-                <a:latin typeface="+mn-lt"/>
-                <a:ea typeface="+mn-ea"/>
-                <a:cs typeface="+mn-cs"/>
-              </a:defRPr>
-            </a:lvl6pPr>
-            <a:lvl7pPr marL="3537631" indent="-272125" algn="l" defTabSz="1088502" rtl="0" eaLnBrk="1" latinLnBrk="0" hangingPunct="1">
-              <a:spcBef>
-                <a:spcPct val="20000"/>
-              </a:spcBef>
-              <a:buFont typeface="Arial" panose="020B0604020202020204" pitchFamily="34" charset="0"/>
-              <a:buChar char="•"/>
-              <a:defRPr sz="2400" kern="1200">
-                <a:solidFill>
-                  <a:schemeClr val="tx1"/>
-                </a:solidFill>
-                <a:latin typeface="+mn-lt"/>
-                <a:ea typeface="+mn-ea"/>
-                <a:cs typeface="+mn-cs"/>
-              </a:defRPr>
-            </a:lvl7pPr>
-            <a:lvl8pPr marL="4081882" indent="-272125" algn="l" defTabSz="1088502" rtl="0" eaLnBrk="1" latinLnBrk="0" hangingPunct="1">
-              <a:spcBef>
-                <a:spcPct val="20000"/>
-              </a:spcBef>
-              <a:buFont typeface="Arial" panose="020B0604020202020204" pitchFamily="34" charset="0"/>
-              <a:buChar char="•"/>
-              <a:defRPr sz="2400" kern="1200">
-                <a:solidFill>
-                  <a:schemeClr val="tx1"/>
-                </a:solidFill>
-                <a:latin typeface="+mn-lt"/>
-                <a:ea typeface="+mn-ea"/>
-                <a:cs typeface="+mn-cs"/>
-              </a:defRPr>
-            </a:lvl8pPr>
-            <a:lvl9pPr marL="4626132" indent="-272125" algn="l" defTabSz="1088502" rtl="0" eaLnBrk="1" latinLnBrk="0" hangingPunct="1">
-              <a:spcBef>
-                <a:spcPct val="20000"/>
-              </a:spcBef>
-              <a:buFont typeface="Arial" panose="020B0604020202020204" pitchFamily="34" charset="0"/>
-              <a:buChar char="•"/>
-              <a:defRPr sz="2400" kern="1200">
-                <a:solidFill>
-                  <a:schemeClr val="tx1"/>
-                </a:solidFill>
-                <a:latin typeface="+mn-lt"/>
-                <a:ea typeface="+mn-ea"/>
-                <a:cs typeface="+mn-cs"/>
-              </a:defRPr>
-            </a:lvl9pPr>
-          </a:lstStyle>
-          <a:p>
-            <a:pPr marL="0" indent="0">
-              <a:buNone/>
-            </a:pPr>
-            <a:r>
-              <a:rPr lang="en-AU" dirty="0" smtClean="0">
-                <a:solidFill>
-                  <a:schemeClr val="accent4"/>
-                </a:solidFill>
-              </a:rPr>
-              <a:t>More infrastructure code</a:t>
-            </a:r>
-            <a:endParaRPr lang="en-AU" dirty="0">
-              <a:solidFill>
-                <a:schemeClr val="accent4"/>
-              </a:solidFill>
-            </a:endParaRPr>
-          </a:p>
-        </p:txBody>
-      </p:sp>
-    </p:spTree>
-    <p:extLst>
-      <p:ext uri="{BB962C8B-B14F-4D97-AF65-F5344CB8AC3E}">
-        <p14:creationId xmlns:p14="http://schemas.microsoft.com/office/powerpoint/2010/main" val="2673576301"/>
-      </p:ext>
-    </p:extLst>
-  </p:cSld>
-  <p:clrMapOvr>
-    <a:masterClrMapping/>
-  </p:clrMapOvr>
-  <p:timing>
-    <p:tnLst>
-      <p:par>
-        <p:cTn id="1" dur="indefinite" restart="never" nodeType="tmRoot"/>
-      </p:par>
-    </p:tnLst>
-  </p:timing>
-</p:sld>
-</file>
-
 <file path=ppt/slides/slide17.xml><?xml version="1.0" encoding="utf-8"?>
 <p:sld xmlns:a="http://schemas.openxmlformats.org/drawingml/2006/main" xmlns:r="http://schemas.openxmlformats.org/officeDocument/2006/relationships" xmlns:p="http://schemas.openxmlformats.org/presentationml/2006/main">
   <p:cSld>
@@ -21580,10 +21180,34 @@
           <a:lstStyle/>
           <a:p>
             <a:r>
-              <a:rPr lang="en-AU" dirty="0" smtClean="0"/>
-              <a:t>Quick aside…</a:t>
-            </a:r>
-            <a:endParaRPr lang="en-AU" dirty="0"/>
+              <a:rPr lang="en-AU" dirty="0" err="1" smtClean="0">
+                <a:solidFill>
+                  <a:schemeClr val="tx1"/>
+                </a:solidFill>
+              </a:rPr>
+              <a:t>TestDataBuilderMother</a:t>
+            </a:r>
+            <a:r>
+              <a:rPr lang="en-AU" baseline="30000" dirty="0" err="1" smtClean="0">
+                <a:solidFill>
+                  <a:schemeClr val="tx1"/>
+                </a:solidFill>
+              </a:rPr>
+              <a:t>TM</a:t>
+            </a:r>
+            <a:r>
+              <a:rPr lang="en-AU" dirty="0" smtClean="0">
+                <a:solidFill>
+                  <a:schemeClr val="tx1"/>
+                </a:solidFill>
+              </a:rPr>
+              <a:t> pattern</a:t>
+            </a:r>
+            <a:endParaRPr lang="en-AU" dirty="0">
+              <a:solidFill>
+                <a:schemeClr val="tx1"/>
+              </a:solidFill>
+            </a:endParaRPr>
           </a:p>
         </p:txBody>
       </p:sp>
@@ -21597,40 +21221,206 @@
             <p:ph idx="1"/>
           </p:nvPr>
         </p:nvSpPr>
-        <p:spPr/>
+        <p:spPr>
+          <a:xfrm>
+            <a:off x="838622" y="1694577"/>
+            <a:ext cx="4968552" cy="4527011"/>
+          </a:xfrm>
+        </p:spPr>
         <p:txBody>
           <a:bodyPr/>
           <a:lstStyle/>
           <a:p>
-            <a:r>
-              <a:rPr lang="en-AU" dirty="0" smtClean="0"/>
-              <a:t>You can reuse this infrastructure code without extra maintenance overhead for:</a:t>
-            </a:r>
-          </a:p>
-          <a:p>
-            <a:endParaRPr lang="en-AU" dirty="0" smtClean="0"/>
-          </a:p>
-          <a:p>
-            <a:pPr lvl="1"/>
-            <a:r>
-              <a:rPr lang="en-AU" dirty="0" smtClean="0"/>
-              <a:t>Integration testing</a:t>
-            </a:r>
-          </a:p>
-          <a:p>
-            <a:pPr lvl="1"/>
-            <a:r>
-              <a:rPr lang="en-AU" dirty="0" smtClean="0"/>
-              <a:t>Automated UI testing</a:t>
-            </a:r>
-          </a:p>
-          <a:p>
-            <a:pPr lvl="1"/>
-            <a:r>
-              <a:rPr lang="en-AU" dirty="0" smtClean="0"/>
-              <a:t>Seeding for manual testing / local debugging</a:t>
-            </a:r>
-            <a:endParaRPr lang="en-AU" dirty="0"/>
+            <a:pPr marL="0" indent="0">
+              <a:buNone/>
+            </a:pPr>
+            <a:r>
+              <a:rPr lang="en-AU" dirty="0" smtClean="0">
+                <a:solidFill>
+                  <a:schemeClr val="bg1">
+                    <a:lumMod val="50000"/>
+                  </a:schemeClr>
+                </a:solidFill>
+              </a:rPr>
+              <a:t>Consistent</a:t>
+            </a:r>
+          </a:p>
+          <a:p>
+            <a:pPr marL="0" indent="0">
+              <a:buNone/>
+            </a:pPr>
+            <a:r>
+              <a:rPr lang="en-AU" dirty="0">
+                <a:solidFill>
+                  <a:schemeClr val="bg1">
+                    <a:lumMod val="50000"/>
+                  </a:schemeClr>
+                </a:solidFill>
+              </a:rPr>
+              <a:t>Only 1 </a:t>
+            </a:r>
+            <a:r>
+              <a:rPr lang="en-AU" dirty="0" err="1">
+                <a:solidFill>
+                  <a:schemeClr val="bg1">
+                    <a:lumMod val="50000"/>
+                  </a:schemeClr>
+                </a:solidFill>
+              </a:rPr>
+              <a:t>ctor</a:t>
+            </a:r>
+            <a:r>
+              <a:rPr lang="en-AU" dirty="0">
+                <a:solidFill>
+                  <a:schemeClr val="bg1">
+                    <a:lumMod val="50000"/>
+                  </a:schemeClr>
+                </a:solidFill>
+              </a:rPr>
+              <a:t> call </a:t>
+            </a:r>
+            <a:r>
+              <a:rPr lang="en-AU" dirty="0">
+                <a:solidFill>
+                  <a:schemeClr val="bg1">
+                    <a:lumMod val="50000"/>
+                  </a:schemeClr>
+                </a:solidFill>
+                <a:sym typeface="Wingdings" panose="05000000000000000000" pitchFamily="2" charset="2"/>
+              </a:rPr>
+              <a:t></a:t>
+            </a:r>
+          </a:p>
+          <a:p>
+            <a:pPr marL="0" indent="0">
+              <a:buNone/>
+            </a:pPr>
+            <a:r>
+              <a:rPr lang="en-AU" dirty="0">
+                <a:solidFill>
+                  <a:schemeClr val="bg1">
+                    <a:lumMod val="50000"/>
+                  </a:schemeClr>
+                </a:solidFill>
+                <a:sym typeface="Wingdings" panose="05000000000000000000" pitchFamily="2" charset="2"/>
+              </a:rPr>
+              <a:t>Remove data noise</a:t>
+            </a:r>
+          </a:p>
+          <a:p>
+            <a:pPr marL="0" indent="0">
+              <a:buNone/>
+            </a:pPr>
+            <a:r>
+              <a:rPr lang="en-AU" dirty="0">
+                <a:solidFill>
+                  <a:schemeClr val="bg1">
+                    <a:lumMod val="50000"/>
+                  </a:schemeClr>
+                </a:solidFill>
+                <a:sym typeface="Wingdings" panose="05000000000000000000" pitchFamily="2" charset="2"/>
+              </a:rPr>
+              <a:t>Non-</a:t>
+            </a:r>
+            <a:r>
+              <a:rPr lang="en-AU" dirty="0" err="1">
+                <a:solidFill>
+                  <a:schemeClr val="bg1">
+                    <a:lumMod val="50000"/>
+                  </a:schemeClr>
+                </a:solidFill>
+                <a:sym typeface="Wingdings" panose="05000000000000000000" pitchFamily="2" charset="2"/>
+              </a:rPr>
+              <a:t>ctor</a:t>
+            </a:r>
+            <a:r>
+              <a:rPr lang="en-AU" dirty="0">
+                <a:solidFill>
+                  <a:schemeClr val="bg1">
+                    <a:lumMod val="50000"/>
+                  </a:schemeClr>
+                </a:solidFill>
+                <a:sym typeface="Wingdings" panose="05000000000000000000" pitchFamily="2" charset="2"/>
+              </a:rPr>
+              <a:t> actions</a:t>
+            </a:r>
+          </a:p>
+          <a:p>
+            <a:pPr marL="0" indent="0">
+              <a:buNone/>
+            </a:pPr>
+            <a:r>
+              <a:rPr lang="en-AU" dirty="0">
+                <a:solidFill>
+                  <a:schemeClr val="bg1">
+                    <a:lumMod val="50000"/>
+                  </a:schemeClr>
+                </a:solidFill>
+                <a:sym typeface="Wingdings" panose="05000000000000000000" pitchFamily="2" charset="2"/>
+              </a:rPr>
+              <a:t>Expressive (doco</a:t>
+            </a:r>
+            <a:r>
+              <a:rPr lang="en-AU" dirty="0" smtClean="0">
+                <a:solidFill>
+                  <a:schemeClr val="bg1">
+                    <a:lumMod val="50000"/>
+                  </a:schemeClr>
+                </a:solidFill>
+                <a:sym typeface="Wingdings" panose="05000000000000000000" pitchFamily="2" charset="2"/>
+              </a:rPr>
+              <a:t>)</a:t>
+            </a:r>
+          </a:p>
+          <a:p>
+            <a:pPr marL="0" indent="0">
+              <a:buNone/>
+            </a:pPr>
+            <a:r>
+              <a:rPr lang="en-AU" dirty="0" smtClean="0">
+                <a:solidFill>
+                  <a:schemeClr val="bg1">
+                    <a:lumMod val="50000"/>
+                  </a:schemeClr>
+                </a:solidFill>
+                <a:sym typeface="Wingdings" panose="05000000000000000000" pitchFamily="2" charset="2"/>
+              </a:rPr>
+              <a:t>No </a:t>
+            </a:r>
+            <a:r>
+              <a:rPr lang="en-AU" dirty="0" smtClean="0">
+                <a:solidFill>
+                  <a:schemeClr val="bg1">
+                    <a:lumMod val="50000"/>
+                  </a:schemeClr>
+                </a:solidFill>
+                <a:sym typeface="Wingdings" panose="05000000000000000000" pitchFamily="2" charset="2"/>
+              </a:rPr>
+              <a:t>repetition</a:t>
+            </a:r>
+          </a:p>
+          <a:p>
+            <a:pPr marL="0" indent="0">
+              <a:buNone/>
+            </a:pPr>
+            <a:r>
+              <a:rPr lang="en-US" dirty="0" smtClean="0">
+                <a:solidFill>
+                  <a:schemeClr val="bg1">
+                    <a:lumMod val="50000"/>
+                  </a:schemeClr>
+                </a:solidFill>
+                <a:sym typeface="Wingdings" panose="05000000000000000000" pitchFamily="2" charset="2"/>
+              </a:rPr>
+              <a:t>No god objects</a:t>
+            </a:r>
+            <a:endParaRPr lang="en-AU" dirty="0">
+              <a:solidFill>
+                <a:schemeClr val="bg1">
+                  <a:lumMod val="50000"/>
+                </a:schemeClr>
+              </a:solidFill>
+            </a:endParaRPr>
           </a:p>
         </p:txBody>
       </p:sp>
@@ -21680,10 +21470,203 @@
           </a:p>
         </p:txBody>
       </p:sp>
+      <p:sp>
+        <p:nvSpPr>
+          <p:cNvPr id="7" name="Content Placeholder 2"/>
+          <p:cNvSpPr txBox="1">
+            <a:spLocks/>
+          </p:cNvSpPr>
+          <p:nvPr/>
+        </p:nvSpPr>
+        <p:spPr>
+          <a:xfrm>
+            <a:off x="5918790" y="1694576"/>
+            <a:ext cx="4968552" cy="4527011"/>
+          </a:xfrm>
+          <a:prstGeom prst="rect">
+            <a:avLst/>
+          </a:prstGeom>
+        </p:spPr>
+        <p:txBody>
+          <a:bodyPr vert="horz" lIns="0" tIns="0" rIns="0" bIns="0" rtlCol="0">
+            <a:noAutofit/>
+          </a:bodyPr>
+          <a:lstStyle>
+            <a:lvl1pPr marL="265113" indent="-265113" algn="l" defTabSz="1088502" rtl="0" eaLnBrk="1" latinLnBrk="0" hangingPunct="1">
+              <a:spcBef>
+                <a:spcPts val="1200"/>
+              </a:spcBef>
+              <a:buClr>
+                <a:srgbClr val="E5007E"/>
+              </a:buClr>
+              <a:buFont typeface="Segoe UI" panose="020B0502040204020203" pitchFamily="34" charset="0"/>
+              <a:buChar char="›"/>
+              <a:defRPr sz="3600" kern="1200" spc="0" baseline="0">
+                <a:solidFill>
+                  <a:schemeClr val="tx1"/>
+                </a:solidFill>
+                <a:latin typeface="+mn-lt"/>
+                <a:ea typeface="+mn-ea"/>
+                <a:cs typeface="+mn-cs"/>
+              </a:defRPr>
+            </a:lvl1pPr>
+            <a:lvl2pPr marL="538163" indent="-273050" algn="l" defTabSz="1088502" rtl="0" eaLnBrk="1" latinLnBrk="0" hangingPunct="1">
+              <a:spcBef>
+                <a:spcPts val="0"/>
+              </a:spcBef>
+              <a:buClr>
+                <a:srgbClr val="E5007E"/>
+              </a:buClr>
+              <a:buFont typeface="Segoe UI" panose="020B0502040204020203" pitchFamily="34" charset="0"/>
+              <a:buChar char="›"/>
+              <a:defRPr sz="3600" kern="1200" spc="0" baseline="0">
+                <a:solidFill>
+                  <a:schemeClr val="tx1"/>
+                </a:solidFill>
+                <a:latin typeface="+mn-lt"/>
+                <a:ea typeface="+mn-ea"/>
+                <a:cs typeface="+mn-cs"/>
+              </a:defRPr>
+            </a:lvl2pPr>
+            <a:lvl3pPr marL="803275" indent="-265113" algn="l" defTabSz="1088502" rtl="0" eaLnBrk="1" latinLnBrk="0" hangingPunct="1">
+              <a:spcBef>
+                <a:spcPts val="0"/>
+              </a:spcBef>
+              <a:buClr>
+                <a:srgbClr val="E5007E"/>
+              </a:buClr>
+              <a:buFont typeface="Segoe UI" panose="020B0502040204020203" pitchFamily="34" charset="0"/>
+              <a:buChar char="›"/>
+              <a:defRPr sz="3600" kern="1200" spc="0" baseline="0">
+                <a:solidFill>
+                  <a:schemeClr val="tx1"/>
+                </a:solidFill>
+                <a:latin typeface="+mn-lt"/>
+                <a:ea typeface="+mn-ea"/>
+                <a:cs typeface="+mn-cs"/>
+              </a:defRPr>
+            </a:lvl3pPr>
+            <a:lvl4pPr marL="1076325" indent="-273050" algn="l" defTabSz="1088502" rtl="0" eaLnBrk="1" latinLnBrk="0" hangingPunct="1">
+              <a:spcBef>
+                <a:spcPts val="0"/>
+              </a:spcBef>
+              <a:buClr>
+                <a:srgbClr val="E5007E"/>
+              </a:buClr>
+              <a:buFont typeface="Segoe UI" panose="020B0502040204020203" pitchFamily="34" charset="0"/>
+              <a:buChar char="›"/>
+              <a:defRPr sz="3600" kern="1200" spc="0" baseline="0">
+                <a:solidFill>
+                  <a:schemeClr val="tx1"/>
+                </a:solidFill>
+                <a:latin typeface="+mn-lt"/>
+                <a:ea typeface="+mn-ea"/>
+                <a:cs typeface="+mn-cs"/>
+              </a:defRPr>
+            </a:lvl4pPr>
+            <a:lvl5pPr marL="1341438" indent="-265113" algn="l" defTabSz="1088502" rtl="0" eaLnBrk="1" latinLnBrk="0" hangingPunct="1">
+              <a:spcBef>
+                <a:spcPts val="0"/>
+              </a:spcBef>
+              <a:buClr>
+                <a:srgbClr val="E5007E"/>
+              </a:buClr>
+              <a:buFont typeface="Segoe UI" panose="020B0502040204020203" pitchFamily="34" charset="0"/>
+              <a:buChar char="›"/>
+              <a:defRPr sz="3600" kern="1200" spc="0" baseline="0">
+                <a:solidFill>
+                  <a:schemeClr val="tx1"/>
+                </a:solidFill>
+                <a:latin typeface="+mn-lt"/>
+                <a:ea typeface="+mn-ea"/>
+                <a:cs typeface="+mn-cs"/>
+              </a:defRPr>
+            </a:lvl5pPr>
+            <a:lvl6pPr marL="2993380" indent="-272125" algn="l" defTabSz="1088502" rtl="0" eaLnBrk="1" latinLnBrk="0" hangingPunct="1">
+              <a:spcBef>
+                <a:spcPct val="20000"/>
+              </a:spcBef>
+              <a:buFont typeface="Arial" panose="020B0604020202020204" pitchFamily="34" charset="0"/>
+              <a:buChar char="•"/>
+              <a:defRPr sz="2400" kern="1200">
+                <a:solidFill>
+                  <a:schemeClr val="tx1"/>
+                </a:solidFill>
+                <a:latin typeface="+mn-lt"/>
+                <a:ea typeface="+mn-ea"/>
+                <a:cs typeface="+mn-cs"/>
+              </a:defRPr>
+            </a:lvl6pPr>
+            <a:lvl7pPr marL="3537631" indent="-272125" algn="l" defTabSz="1088502" rtl="0" eaLnBrk="1" latinLnBrk="0" hangingPunct="1">
+              <a:spcBef>
+                <a:spcPct val="20000"/>
+              </a:spcBef>
+              <a:buFont typeface="Arial" panose="020B0604020202020204" pitchFamily="34" charset="0"/>
+              <a:buChar char="•"/>
+              <a:defRPr sz="2400" kern="1200">
+                <a:solidFill>
+                  <a:schemeClr val="tx1"/>
+                </a:solidFill>
+                <a:latin typeface="+mn-lt"/>
+                <a:ea typeface="+mn-ea"/>
+                <a:cs typeface="+mn-cs"/>
+              </a:defRPr>
+            </a:lvl7pPr>
+            <a:lvl8pPr marL="4081882" indent="-272125" algn="l" defTabSz="1088502" rtl="0" eaLnBrk="1" latinLnBrk="0" hangingPunct="1">
+              <a:spcBef>
+                <a:spcPct val="20000"/>
+              </a:spcBef>
+              <a:buFont typeface="Arial" panose="020B0604020202020204" pitchFamily="34" charset="0"/>
+              <a:buChar char="•"/>
+              <a:defRPr sz="2400" kern="1200">
+                <a:solidFill>
+                  <a:schemeClr val="tx1"/>
+                </a:solidFill>
+                <a:latin typeface="+mn-lt"/>
+                <a:ea typeface="+mn-ea"/>
+                <a:cs typeface="+mn-cs"/>
+              </a:defRPr>
+            </a:lvl8pPr>
+            <a:lvl9pPr marL="4626132" indent="-272125" algn="l" defTabSz="1088502" rtl="0" eaLnBrk="1" latinLnBrk="0" hangingPunct="1">
+              <a:spcBef>
+                <a:spcPct val="20000"/>
+              </a:spcBef>
+              <a:buFont typeface="Arial" panose="020B0604020202020204" pitchFamily="34" charset="0"/>
+              <a:buChar char="•"/>
+              <a:defRPr sz="2400" kern="1200">
+                <a:solidFill>
+                  <a:schemeClr val="tx1"/>
+                </a:solidFill>
+                <a:latin typeface="+mn-lt"/>
+                <a:ea typeface="+mn-ea"/>
+                <a:cs typeface="+mn-cs"/>
+              </a:defRPr>
+            </a:lvl9pPr>
+          </a:lstStyle>
+          <a:p>
+            <a:pPr marL="0" indent="0">
+              <a:buNone/>
+            </a:pPr>
+            <a:r>
+              <a:rPr lang="en-AU" dirty="0" smtClean="0">
+                <a:solidFill>
+                  <a:schemeClr val="accent4"/>
+                </a:solidFill>
+              </a:rPr>
+              <a:t>More infrastructure code</a:t>
+            </a:r>
+            <a:endParaRPr lang="en-AU" dirty="0">
+              <a:solidFill>
+                <a:schemeClr val="accent4"/>
+              </a:solidFill>
+            </a:endParaRPr>
+          </a:p>
+        </p:txBody>
+      </p:sp>
     </p:spTree>
     <p:extLst>
       <p:ext uri="{BB962C8B-B14F-4D97-AF65-F5344CB8AC3E}">
-        <p14:creationId xmlns:p14="http://schemas.microsoft.com/office/powerpoint/2010/main" val="3459683141"/>
+        <p14:creationId xmlns:p14="http://schemas.microsoft.com/office/powerpoint/2010/main" val="2673576301"/>
       </p:ext>
     </p:extLst>
   </p:cSld>
@@ -21734,7 +21717,7 @@
           <a:p>
             <a:r>
               <a:rPr lang="en-AU" dirty="0" smtClean="0"/>
-              <a:t>Creating values</a:t>
+              <a:t>Quick aside…</a:t>
             </a:r>
             <a:endParaRPr lang="en-AU" dirty="0"/>
           </a:p>
@@ -21742,12 +21725,12 @@
       </p:sp>
       <p:sp>
         <p:nvSpPr>
-          <p:cNvPr id="3" name="Text Placeholder 2"/>
-          <p:cNvSpPr>
-            <a:spLocks noGrp="1"/>
-          </p:cNvSpPr>
-          <p:nvPr>
-            <p:ph type="body" idx="1"/>
+          <p:cNvPr id="3" name="Content Placeholder 2"/>
+          <p:cNvSpPr>
+            <a:spLocks noGrp="1"/>
+          </p:cNvSpPr>
+          <p:nvPr>
+            <p:ph idx="1"/>
           </p:nvPr>
         </p:nvSpPr>
         <p:spPr/>
@@ -21757,7 +21740,31 @@
           <a:p>
             <a:r>
               <a:rPr lang="en-AU" dirty="0" smtClean="0"/>
-              <a:t>We need this in both tests and in our test data builders…</a:t>
+              <a:t>You can reuse this infrastructure code without extra maintenance overhead for:</a:t>
+            </a:r>
+          </a:p>
+          <a:p>
+            <a:endParaRPr lang="en-AU" dirty="0" smtClean="0"/>
+          </a:p>
+          <a:p>
+            <a:pPr lvl="1"/>
+            <a:r>
+              <a:rPr lang="en-AU" dirty="0" smtClean="0"/>
+              <a:t>Integration testing</a:t>
+            </a:r>
+          </a:p>
+          <a:p>
+            <a:pPr lvl="1"/>
+            <a:r>
+              <a:rPr lang="en-AU" dirty="0" smtClean="0"/>
+              <a:t>Automated UI testing</a:t>
+            </a:r>
+          </a:p>
+          <a:p>
+            <a:pPr lvl="1"/>
+            <a:r>
+              <a:rPr lang="en-AU" dirty="0" smtClean="0"/>
+              <a:t>Seeding for manual testing / local debugging</a:t>
             </a:r>
             <a:endParaRPr lang="en-AU" dirty="0"/>
           </a:p>
@@ -21803,17 +21810,16 @@
           <a:p>
             <a:fld id="{1DEBBDC7-4A1B-43E6-8DA6-58148E08E8A6}" type="slidenum">
               <a:rPr lang="en-AU" smtClean="0"/>
-              <a:pPr/>
               <a:t>18</a:t>
             </a:fld>
-            <a:endParaRPr lang="en-AU" dirty="0"/>
+            <a:endParaRPr lang="en-AU"/>
           </a:p>
         </p:txBody>
       </p:sp>
     </p:spTree>
     <p:extLst>
       <p:ext uri="{BB962C8B-B14F-4D97-AF65-F5344CB8AC3E}">
-        <p14:creationId xmlns:p14="http://schemas.microsoft.com/office/powerpoint/2010/main" val="578177949"/>
+        <p14:creationId xmlns:p14="http://schemas.microsoft.com/office/powerpoint/2010/main" val="3459683141"/>
       </p:ext>
     </p:extLst>
   </p:cSld>
@@ -21864,7 +21870,7 @@
           <a:p>
             <a:r>
               <a:rPr lang="en-AU" dirty="0" smtClean="0"/>
-              <a:t>Anonymous Variables</a:t>
+              <a:t>Creating values</a:t>
             </a:r>
             <a:endParaRPr lang="en-AU" dirty="0"/>
           </a:p>
@@ -21872,12 +21878,12 @@
       </p:sp>
       <p:sp>
         <p:nvSpPr>
-          <p:cNvPr id="3" name="Content Placeholder 2"/>
-          <p:cNvSpPr>
-            <a:spLocks noGrp="1"/>
-          </p:cNvSpPr>
-          <p:nvPr>
-            <p:ph idx="1"/>
+          <p:cNvPr id="3" name="Text Placeholder 2"/>
+          <p:cNvSpPr>
+            <a:spLocks noGrp="1"/>
+          </p:cNvSpPr>
+          <p:nvPr>
+            <p:ph type="body" idx="1"/>
           </p:nvPr>
         </p:nvSpPr>
         <p:spPr/>
@@ -21887,16 +21893,8 @@
           <a:p>
             <a:r>
               <a:rPr lang="en-AU" dirty="0" smtClean="0"/>
-              <a:t>Explicit values give false importance  to values that don’t matter</a:t>
-            </a:r>
-          </a:p>
-          <a:p>
-            <a:r>
-              <a:rPr lang="en-AU" dirty="0" smtClean="0"/>
-              <a:t>Identify them as an anonymous variable</a:t>
-            </a:r>
-          </a:p>
-          <a:p>
+              <a:t>We need this in both tests and in our test data builders…</a:t>
+            </a:r>
             <a:endParaRPr lang="en-AU" dirty="0"/>
           </a:p>
         </p:txBody>
@@ -21941,16 +21939,17 @@
           <a:p>
             <a:fld id="{1DEBBDC7-4A1B-43E6-8DA6-58148E08E8A6}" type="slidenum">
               <a:rPr lang="en-AU" smtClean="0"/>
+              <a:pPr/>
               <a:t>19</a:t>
             </a:fld>
-            <a:endParaRPr lang="en-AU"/>
+            <a:endParaRPr lang="en-AU" dirty="0"/>
           </a:p>
         </p:txBody>
       </p:sp>
     </p:spTree>
     <p:extLst>
       <p:ext uri="{BB962C8B-B14F-4D97-AF65-F5344CB8AC3E}">
-        <p14:creationId xmlns:p14="http://schemas.microsoft.com/office/powerpoint/2010/main" val="3893949948"/>
+        <p14:creationId xmlns:p14="http://schemas.microsoft.com/office/powerpoint/2010/main" val="578177949"/>
       </p:ext>
     </p:extLst>
   </p:cSld>
@@ -22154,8 +22153,8 @@
           <a:lstStyle/>
           <a:p>
             <a:r>
-              <a:rPr lang="en-AU" dirty="0" smtClean="0"/>
-              <a:t>Anonymous Values</a:t>
+              <a:rPr lang="en-US" dirty="0" smtClean="0"/>
+              <a:t>Show me the code</a:t>
             </a:r>
             <a:endParaRPr lang="en-AU" dirty="0"/>
           </a:p>
@@ -22163,12 +22162,12 @@
       </p:sp>
       <p:sp>
         <p:nvSpPr>
-          <p:cNvPr id="3" name="Content Placeholder 2"/>
-          <p:cNvSpPr>
-            <a:spLocks noGrp="1"/>
-          </p:cNvSpPr>
-          <p:nvPr>
-            <p:ph idx="1"/>
+          <p:cNvPr id="3" name="Footer Placeholder 2"/>
+          <p:cNvSpPr>
+            <a:spLocks noGrp="1"/>
+          </p:cNvSpPr>
+          <p:nvPr>
+            <p:ph type="ftr" sz="quarter" idx="11"/>
           </p:nvPr>
         </p:nvSpPr>
         <p:spPr/>
@@ -22177,8 +22176,8 @@
           <a:lstStyle/>
           <a:p>
             <a:r>
-              <a:rPr lang="en-AU" dirty="0" smtClean="0"/>
-              <a:t>Even better, make the value itself anonymous</a:t>
+              <a:rPr lang="en-AU" smtClean="0"/>
+              <a:t>/ Copyright ©2014 by Readify Limited</a:t>
             </a:r>
             <a:endParaRPr lang="en-AU" dirty="0"/>
           </a:p>
@@ -22186,12 +22185,12 @@
       </p:sp>
       <p:sp>
         <p:nvSpPr>
-          <p:cNvPr id="4" name="Footer Placeholder 3"/>
-          <p:cNvSpPr>
-            <a:spLocks noGrp="1"/>
-          </p:cNvSpPr>
-          <p:nvPr>
-            <p:ph type="ftr" sz="quarter" idx="11"/>
+          <p:cNvPr id="4" name="Slide Number Placeholder 3"/>
+          <p:cNvSpPr>
+            <a:spLocks noGrp="1"/>
+          </p:cNvSpPr>
+          <p:nvPr>
+            <p:ph type="sldNum" sz="quarter" idx="12"/>
           </p:nvPr>
         </p:nvSpPr>
         <p:spPr/>
@@ -22199,41 +22198,19 @@
           <a:bodyPr/>
           <a:lstStyle/>
           <a:p>
-            <a:r>
-              <a:rPr lang="en-AU" smtClean="0"/>
-              <a:t>/ Copyright ©2014 by Readify Limited</a:t>
-            </a:r>
-            <a:endParaRPr lang="en-AU" dirty="0"/>
-          </a:p>
-        </p:txBody>
-      </p:sp>
-      <p:sp>
-        <p:nvSpPr>
-          <p:cNvPr id="5" name="Slide Number Placeholder 4"/>
-          <p:cNvSpPr>
-            <a:spLocks noGrp="1"/>
-          </p:cNvSpPr>
-          <p:nvPr>
-            <p:ph type="sldNum" sz="quarter" idx="12"/>
-          </p:nvPr>
-        </p:nvSpPr>
-        <p:spPr/>
-        <p:txBody>
-          <a:bodyPr/>
-          <a:lstStyle/>
-          <a:p>
             <a:fld id="{1DEBBDC7-4A1B-43E6-8DA6-58148E08E8A6}" type="slidenum">
               <a:rPr lang="en-AU" smtClean="0"/>
+              <a:pPr/>
               <a:t>20</a:t>
             </a:fld>
-            <a:endParaRPr lang="en-AU"/>
+            <a:endParaRPr lang="en-AU" dirty="0"/>
           </a:p>
         </p:txBody>
       </p:sp>
     </p:spTree>
     <p:extLst>
       <p:ext uri="{BB962C8B-B14F-4D97-AF65-F5344CB8AC3E}">
-        <p14:creationId xmlns:p14="http://schemas.microsoft.com/office/powerpoint/2010/main" val="4217820279"/>
+        <p14:creationId xmlns:p14="http://schemas.microsoft.com/office/powerpoint/2010/main" val="495796847"/>
       </p:ext>
     </p:extLst>
   </p:cSld>
@@ -22283,12 +22260,8 @@
           <a:lstStyle/>
           <a:p>
             <a:r>
-              <a:rPr lang="en-AU" dirty="0"/>
-              <a:t> </a:t>
-            </a:r>
-            <a:r>
               <a:rPr lang="en-AU" dirty="0" smtClean="0"/>
-              <a:t>Hang on, doesn’t that break repeatability?</a:t>
+              <a:t>Anonymous Variables</a:t>
             </a:r>
             <a:endParaRPr lang="en-AU" dirty="0"/>
           </a:p>
@@ -22311,17 +22284,16 @@
           <a:p>
             <a:r>
               <a:rPr lang="en-AU" dirty="0" smtClean="0"/>
-              <a:t>Equivalence classes and constrained non-determinism says NO</a:t>
-            </a:r>
-          </a:p>
-          <a:p>
-            <a:endParaRPr lang="en-AU" dirty="0"/>
+              <a:t>Explicit values give false importance  to values that don’t matter</a:t>
+            </a:r>
           </a:p>
           <a:p>
             <a:r>
               <a:rPr lang="en-AU" dirty="0" smtClean="0"/>
-              <a:t>This actually provides even more information about your test than a single value!</a:t>
-            </a:r>
+              <a:t>Identify them as an anonymous variable</a:t>
+            </a:r>
+          </a:p>
+          <a:p>
             <a:endParaRPr lang="en-AU" dirty="0"/>
           </a:p>
         </p:txBody>
@@ -22375,7 +22347,7 @@
     </p:spTree>
     <p:extLst>
       <p:ext uri="{BB962C8B-B14F-4D97-AF65-F5344CB8AC3E}">
-        <p14:creationId xmlns:p14="http://schemas.microsoft.com/office/powerpoint/2010/main" val="570998809"/>
+        <p14:creationId xmlns:p14="http://schemas.microsoft.com/office/powerpoint/2010/main" val="3893949948"/>
       </p:ext>
     </p:extLst>
   </p:cSld>
@@ -22416,7 +22388,7 @@
             <a:spLocks noGrp="1"/>
           </p:cNvSpPr>
           <p:nvPr>
-            <p:ph type="ctrTitle"/>
+            <p:ph type="title"/>
           </p:nvPr>
         </p:nvSpPr>
         <p:spPr/>
@@ -22426,16 +22398,85 @@
           <a:p>
             <a:r>
               <a:rPr lang="en-AU" dirty="0" smtClean="0"/>
-              <a:t>Fin.</a:t>
+              <a:t>Anonymous Values</a:t>
             </a:r>
             <a:endParaRPr lang="en-AU" dirty="0"/>
+          </a:p>
+        </p:txBody>
+      </p:sp>
+      <p:sp>
+        <p:nvSpPr>
+          <p:cNvPr id="3" name="Content Placeholder 2"/>
+          <p:cNvSpPr>
+            <a:spLocks noGrp="1"/>
+          </p:cNvSpPr>
+          <p:nvPr>
+            <p:ph idx="1"/>
+          </p:nvPr>
+        </p:nvSpPr>
+        <p:spPr/>
+        <p:txBody>
+          <a:bodyPr/>
+          <a:lstStyle/>
+          <a:p>
+            <a:r>
+              <a:rPr lang="en-AU" dirty="0" smtClean="0"/>
+              <a:t>Even better, make the value itself anonymous</a:t>
+            </a:r>
+            <a:endParaRPr lang="en-AU" dirty="0"/>
+          </a:p>
+        </p:txBody>
+      </p:sp>
+      <p:sp>
+        <p:nvSpPr>
+          <p:cNvPr id="4" name="Footer Placeholder 3"/>
+          <p:cNvSpPr>
+            <a:spLocks noGrp="1"/>
+          </p:cNvSpPr>
+          <p:nvPr>
+            <p:ph type="ftr" sz="quarter" idx="11"/>
+          </p:nvPr>
+        </p:nvSpPr>
+        <p:spPr/>
+        <p:txBody>
+          <a:bodyPr/>
+          <a:lstStyle/>
+          <a:p>
+            <a:r>
+              <a:rPr lang="en-AU" smtClean="0"/>
+              <a:t>/ Copyright ©2014 by Readify Limited</a:t>
+            </a:r>
+            <a:endParaRPr lang="en-AU" dirty="0"/>
+          </a:p>
+        </p:txBody>
+      </p:sp>
+      <p:sp>
+        <p:nvSpPr>
+          <p:cNvPr id="5" name="Slide Number Placeholder 4"/>
+          <p:cNvSpPr>
+            <a:spLocks noGrp="1"/>
+          </p:cNvSpPr>
+          <p:nvPr>
+            <p:ph type="sldNum" sz="quarter" idx="12"/>
+          </p:nvPr>
+        </p:nvSpPr>
+        <p:spPr/>
+        <p:txBody>
+          <a:bodyPr/>
+          <a:lstStyle/>
+          <a:p>
+            <a:fld id="{1DEBBDC7-4A1B-43E6-8DA6-58148E08E8A6}" type="slidenum">
+              <a:rPr lang="en-AU" smtClean="0"/>
+              <a:t>22</a:t>
+            </a:fld>
+            <a:endParaRPr lang="en-AU"/>
           </a:p>
         </p:txBody>
       </p:sp>
     </p:spTree>
     <p:extLst>
       <p:ext uri="{BB962C8B-B14F-4D97-AF65-F5344CB8AC3E}">
-        <p14:creationId xmlns:p14="http://schemas.microsoft.com/office/powerpoint/2010/main" val="135675156"/>
+        <p14:creationId xmlns:p14="http://schemas.microsoft.com/office/powerpoint/2010/main" val="4217820279"/>
       </p:ext>
     </p:extLst>
   </p:cSld>
@@ -22485,6 +22526,270 @@
           <a:lstStyle/>
           <a:p>
             <a:r>
+              <a:rPr lang="en-AU" dirty="0"/>
+              <a:t> </a:t>
+            </a:r>
+            <a:r>
+              <a:rPr lang="en-AU" dirty="0" smtClean="0"/>
+              <a:t>Hang on, doesn’t that break repeatability?</a:t>
+            </a:r>
+            <a:endParaRPr lang="en-AU" dirty="0"/>
+          </a:p>
+        </p:txBody>
+      </p:sp>
+      <p:sp>
+        <p:nvSpPr>
+          <p:cNvPr id="3" name="Content Placeholder 2"/>
+          <p:cNvSpPr>
+            <a:spLocks noGrp="1"/>
+          </p:cNvSpPr>
+          <p:nvPr>
+            <p:ph idx="1"/>
+          </p:nvPr>
+        </p:nvSpPr>
+        <p:spPr/>
+        <p:txBody>
+          <a:bodyPr/>
+          <a:lstStyle/>
+          <a:p>
+            <a:r>
+              <a:rPr lang="en-AU" dirty="0" smtClean="0"/>
+              <a:t>Equivalence classes and constrained non-determinism says NO</a:t>
+            </a:r>
+          </a:p>
+          <a:p>
+            <a:endParaRPr lang="en-AU" dirty="0"/>
+          </a:p>
+          <a:p>
+            <a:r>
+              <a:rPr lang="en-AU" dirty="0" smtClean="0"/>
+              <a:t>This actually provides even more information about your test than a single value!</a:t>
+            </a:r>
+            <a:endParaRPr lang="en-AU" dirty="0"/>
+          </a:p>
+        </p:txBody>
+      </p:sp>
+      <p:sp>
+        <p:nvSpPr>
+          <p:cNvPr id="4" name="Footer Placeholder 3"/>
+          <p:cNvSpPr>
+            <a:spLocks noGrp="1"/>
+          </p:cNvSpPr>
+          <p:nvPr>
+            <p:ph type="ftr" sz="quarter" idx="11"/>
+          </p:nvPr>
+        </p:nvSpPr>
+        <p:spPr/>
+        <p:txBody>
+          <a:bodyPr/>
+          <a:lstStyle/>
+          <a:p>
+            <a:r>
+              <a:rPr lang="en-AU" smtClean="0"/>
+              <a:t>/ Copyright ©2014 by Readify Limited</a:t>
+            </a:r>
+            <a:endParaRPr lang="en-AU" dirty="0"/>
+          </a:p>
+        </p:txBody>
+      </p:sp>
+      <p:sp>
+        <p:nvSpPr>
+          <p:cNvPr id="5" name="Slide Number Placeholder 4"/>
+          <p:cNvSpPr>
+            <a:spLocks noGrp="1"/>
+          </p:cNvSpPr>
+          <p:nvPr>
+            <p:ph type="sldNum" sz="quarter" idx="12"/>
+          </p:nvPr>
+        </p:nvSpPr>
+        <p:spPr/>
+        <p:txBody>
+          <a:bodyPr/>
+          <a:lstStyle/>
+          <a:p>
+            <a:fld id="{1DEBBDC7-4A1B-43E6-8DA6-58148E08E8A6}" type="slidenum">
+              <a:rPr lang="en-AU" smtClean="0"/>
+              <a:t>23</a:t>
+            </a:fld>
+            <a:endParaRPr lang="en-AU"/>
+          </a:p>
+        </p:txBody>
+      </p:sp>
+    </p:spTree>
+    <p:extLst>
+      <p:ext uri="{BB962C8B-B14F-4D97-AF65-F5344CB8AC3E}">
+        <p14:creationId xmlns:p14="http://schemas.microsoft.com/office/powerpoint/2010/main" val="570998809"/>
+      </p:ext>
+    </p:extLst>
+  </p:cSld>
+  <p:clrMapOvr>
+    <a:masterClrMapping/>
+  </p:clrMapOvr>
+  <p:timing>
+    <p:tnLst>
+      <p:par>
+        <p:cTn id="1" dur="indefinite" restart="never" nodeType="tmRoot"/>
+      </p:par>
+    </p:tnLst>
+  </p:timing>
+</p:sld>
+</file>
+
+<file path=ppt/slides/slide24.xml><?xml version="1.0" encoding="utf-8"?>
+<p:sld xmlns:a="http://schemas.openxmlformats.org/drawingml/2006/main" xmlns:r="http://schemas.openxmlformats.org/officeDocument/2006/relationships" xmlns:p="http://schemas.openxmlformats.org/presentationml/2006/main">
+  <p:cSld>
+    <p:spTree>
+      <p:nvGrpSpPr>
+        <p:cNvPr id="1" name=""/>
+        <p:cNvGrpSpPr/>
+        <p:nvPr/>
+      </p:nvGrpSpPr>
+      <p:grpSpPr>
+        <a:xfrm>
+          <a:off x="0" y="0"/>
+          <a:ext cx="0" cy="0"/>
+          <a:chOff x="0" y="0"/>
+          <a:chExt cx="0" cy="0"/>
+        </a:xfrm>
+      </p:grpSpPr>
+      <p:sp>
+        <p:nvSpPr>
+          <p:cNvPr id="2" name="Title 1"/>
+          <p:cNvSpPr>
+            <a:spLocks noGrp="1"/>
+          </p:cNvSpPr>
+          <p:nvPr>
+            <p:ph type="ctrTitle"/>
+          </p:nvPr>
+        </p:nvSpPr>
+        <p:spPr/>
+        <p:txBody>
+          <a:bodyPr/>
+          <a:lstStyle/>
+          <a:p>
+            <a:r>
+              <a:rPr lang="en-AU" dirty="0" smtClean="0"/>
+              <a:t>Fin.</a:t>
+            </a:r>
+            <a:endParaRPr lang="en-AU" dirty="0"/>
+          </a:p>
+        </p:txBody>
+      </p:sp>
+      <p:sp>
+        <p:nvSpPr>
+          <p:cNvPr id="3" name="TextBox 2"/>
+          <p:cNvSpPr txBox="1"/>
+          <p:nvPr/>
+        </p:nvSpPr>
+        <p:spPr>
+          <a:xfrm>
+            <a:off x="478582" y="5806058"/>
+            <a:ext cx="7797391" cy="415498"/>
+          </a:xfrm>
+          <a:prstGeom prst="rect">
+            <a:avLst/>
+          </a:prstGeom>
+          <a:noFill/>
+        </p:spPr>
+        <p:txBody>
+          <a:bodyPr wrap="none" rtlCol="0">
+            <a:spAutoFit/>
+          </a:bodyPr>
+          <a:lstStyle/>
+          <a:p>
+            <a:r>
+              <a:rPr lang="en-US" dirty="0">
+                <a:solidFill>
+                  <a:schemeClr val="bg1"/>
+                </a:solidFill>
+              </a:rPr>
+              <a:t>github.com/</a:t>
+            </a:r>
+            <a:r>
+              <a:rPr lang="en-US" dirty="0" err="1">
+                <a:solidFill>
+                  <a:schemeClr val="bg1"/>
+                </a:solidFill>
+              </a:rPr>
+              <a:t>robdmoore</a:t>
+            </a:r>
+            <a:r>
+              <a:rPr lang="en-US" dirty="0">
+                <a:solidFill>
+                  <a:schemeClr val="bg1"/>
+                </a:solidFill>
+              </a:rPr>
+              <a:t>/</a:t>
+            </a:r>
+            <a:r>
+              <a:rPr lang="en-US" dirty="0" err="1">
+                <a:solidFill>
+                  <a:schemeClr val="bg1"/>
+                </a:solidFill>
+              </a:rPr>
+              <a:t>TestingPatternsWithDossierPresentation</a:t>
+            </a:r>
+            <a:endParaRPr lang="en-AU" dirty="0">
+              <a:solidFill>
+                <a:schemeClr val="bg1"/>
+              </a:solidFill>
+            </a:endParaRPr>
+          </a:p>
+        </p:txBody>
+      </p:sp>
+    </p:spTree>
+    <p:extLst>
+      <p:ext uri="{BB962C8B-B14F-4D97-AF65-F5344CB8AC3E}">
+        <p14:creationId xmlns:p14="http://schemas.microsoft.com/office/powerpoint/2010/main" val="135675156"/>
+      </p:ext>
+    </p:extLst>
+  </p:cSld>
+  <p:clrMapOvr>
+    <a:masterClrMapping/>
+  </p:clrMapOvr>
+  <p:timing>
+    <p:tnLst>
+      <p:par>
+        <p:cTn id="1" dur="indefinite" restart="never" nodeType="tmRoot"/>
+      </p:par>
+    </p:tnLst>
+  </p:timing>
+</p:sld>
+</file>
+
+<file path=ppt/slides/slide25.xml><?xml version="1.0" encoding="utf-8"?>
+<p:sld xmlns:a="http://schemas.openxmlformats.org/drawingml/2006/main" xmlns:r="http://schemas.openxmlformats.org/officeDocument/2006/relationships" xmlns:p="http://schemas.openxmlformats.org/presentationml/2006/main">
+  <p:cSld>
+    <p:spTree>
+      <p:nvGrpSpPr>
+        <p:cNvPr id="1" name=""/>
+        <p:cNvGrpSpPr/>
+        <p:nvPr/>
+      </p:nvGrpSpPr>
+      <p:grpSpPr>
+        <a:xfrm>
+          <a:off x="0" y="0"/>
+          <a:ext cx="0" cy="0"/>
+          <a:chOff x="0" y="0"/>
+          <a:chExt cx="0" cy="0"/>
+        </a:xfrm>
+      </p:grpSpPr>
+      <p:sp>
+        <p:nvSpPr>
+          <p:cNvPr id="2" name="Title 1"/>
+          <p:cNvSpPr>
+            <a:spLocks noGrp="1"/>
+          </p:cNvSpPr>
+          <p:nvPr>
+            <p:ph type="title"/>
+          </p:nvPr>
+        </p:nvSpPr>
+        <p:spPr/>
+        <p:txBody>
+          <a:bodyPr/>
+          <a:lstStyle/>
+          <a:p>
+            <a:r>
               <a:rPr lang="en-AU" dirty="0" smtClean="0"/>
               <a:t>Rob Moore</a:t>
             </a:r>
@@ -22606,7 +22911,7 @@
             <a:fld id="{1DEBBDC7-4A1B-43E6-8DA6-58148E08E8A6}" type="slidenum">
               <a:rPr lang="en-AU" smtClean="0"/>
               <a:pPr/>
-              <a:t>23</a:t>
+              <a:t>25</a:t>
             </a:fld>
             <a:endParaRPr lang="en-AU"/>
           </a:p>
@@ -23149,13 +23454,8 @@
             </a:r>
             <a:r>
               <a:rPr lang="en-AU" dirty="0" smtClean="0"/>
-              <a:t> projects have a tendency to end up with </a:t>
-            </a:r>
-            <a:r>
-              <a:rPr lang="en-AU" dirty="0" smtClean="0"/>
-              <a:t>awful test projects.</a:t>
-            </a:r>
-            <a:endParaRPr lang="en-AU" dirty="0" smtClean="0"/>
+              <a:t> projects have a tendency to end up with awful test projects.</a:t>
+            </a:r>
           </a:p>
           <a:p>
             <a:endParaRPr lang="en-AU" dirty="0" smtClean="0"/>
@@ -25305,29 +25605,6 @@
 </file>
 
 <file path=customXml/item1.xml><?xml version="1.0" encoding="utf-8"?>
-<p:properties xmlns:p="http://schemas.microsoft.com/office/2006/metadata/properties" xmlns:xsi="http://www.w3.org/2001/XMLSchema-instance" xmlns:pc="http://schemas.microsoft.com/office/infopath/2007/PartnerControls">
-  <documentManagement>
-    <SharedWithUsers xmlns="a0705aab-28ed-4f14-9e72-801ff7570ecf">
-      <UserInfo>
-        <DisplayName/>
-        <AccountId xsi:nil="true"/>
-        <AccountType/>
-      </UserInfo>
-    </SharedWithUsers>
-  </documentManagement>
-</p:properties>
-</file>
-
-<file path=customXml/item2.xml><?xml version="1.0" encoding="utf-8"?>
-<?mso-contentType ?>
-<FormTemplates xmlns="http://schemas.microsoft.com/sharepoint/v3/contenttype/forms">
-  <Display>DocumentLibraryForm</Display>
-  <Edit>DocumentLibraryForm</Edit>
-  <New>DocumentLibraryForm</New>
-</FormTemplates>
-</file>
-
-<file path=customXml/item3.xml><?xml version="1.0" encoding="utf-8"?>
 <ct:contentTypeSchema xmlns:ct="http://schemas.microsoft.com/office/2006/metadata/contentType" xmlns:ma="http://schemas.microsoft.com/office/2006/metadata/properties/metaAttributes" ct:_="" ma:_="" ma:contentTypeName="Document" ma:contentTypeID="0x010100E6C79711059E8D46ADE79FA0C3FB19E4" ma:contentTypeVersion="3" ma:contentTypeDescription="Create a new document." ma:contentTypeScope="" ma:versionID="daae2b56741e0abbe810b87540851dcc">
   <xsd:schema xmlns:xsd="http://www.w3.org/2001/XMLSchema" xmlns:xs="http://www.w3.org/2001/XMLSchema" xmlns:p="http://schemas.microsoft.com/office/2006/metadata/properties" xmlns:ns2="a0705aab-28ed-4f14-9e72-801ff7570ecf" targetNamespace="http://schemas.microsoft.com/office/2006/metadata/properties" ma:root="true" ma:fieldsID="f0b30d34b8520fcf8862db976c97c465" ns2:_="">
     <xsd:import namespace="a0705aab-28ed-4f14-9e72-801ff7570ecf"/>
@@ -25481,31 +25758,30 @@
 </ct:contentTypeSchema>
 </file>
 
-<file path=customXml/itemProps1.xml><?xml version="1.0" encoding="utf-8"?>
-<ds:datastoreItem xmlns:ds="http://schemas.openxmlformats.org/officeDocument/2006/customXml" ds:itemID="{1B9FA1EF-CD23-4139-920B-9EDB05CD48C7}">
-  <ds:schemaRefs>
-    <ds:schemaRef ds:uri="http://purl.org/dc/terms/"/>
-    <ds:schemaRef ds:uri="a0705aab-28ed-4f14-9e72-801ff7570ecf"/>
-    <ds:schemaRef ds:uri="http://schemas.microsoft.com/office/infopath/2007/PartnerControls"/>
-    <ds:schemaRef ds:uri="http://purl.org/dc/elements/1.1/"/>
-    <ds:schemaRef ds:uri="http://purl.org/dc/dcmitype/"/>
-    <ds:schemaRef ds:uri="http://schemas.microsoft.com/office/2006/documentManagement/types"/>
-    <ds:schemaRef ds:uri="http://schemas.openxmlformats.org/package/2006/metadata/core-properties"/>
-    <ds:schemaRef ds:uri="http://schemas.microsoft.com/office/2006/metadata/properties"/>
-    <ds:schemaRef ds:uri="http://www.w3.org/XML/1998/namespace"/>
-  </ds:schemaRefs>
-</ds:datastoreItem>
+<file path=customXml/item2.xml><?xml version="1.0" encoding="utf-8"?>
+<?mso-contentType ?>
+<FormTemplates xmlns="http://schemas.microsoft.com/sharepoint/v3/contenttype/forms">
+  <Display>DocumentLibraryForm</Display>
+  <Edit>DocumentLibraryForm</Edit>
+  <New>DocumentLibraryForm</New>
+</FormTemplates>
 </file>
 
-<file path=customXml/itemProps2.xml><?xml version="1.0" encoding="utf-8"?>
-<ds:datastoreItem xmlns:ds="http://schemas.openxmlformats.org/officeDocument/2006/customXml" ds:itemID="{B72FCBA9-0E7F-4D64-B543-2B2870B85E8B}">
-  <ds:schemaRefs>
-    <ds:schemaRef ds:uri="http://schemas.microsoft.com/sharepoint/v3/contenttype/forms"/>
-  </ds:schemaRefs>
-</ds:datastoreItem>
+<file path=customXml/item3.xml><?xml version="1.0" encoding="utf-8"?>
+<p:properties xmlns:p="http://schemas.microsoft.com/office/2006/metadata/properties" xmlns:xsi="http://www.w3.org/2001/XMLSchema-instance" xmlns:pc="http://schemas.microsoft.com/office/infopath/2007/PartnerControls">
+  <documentManagement>
+    <SharedWithUsers xmlns="a0705aab-28ed-4f14-9e72-801ff7570ecf">
+      <UserInfo>
+        <DisplayName/>
+        <AccountId xsi:nil="true"/>
+        <AccountType/>
+      </UserInfo>
+    </SharedWithUsers>
+  </documentManagement>
+</p:properties>
 </file>
 
-<file path=customXml/itemProps3.xml><?xml version="1.0" encoding="utf-8"?>
+<file path=customXml/itemProps1.xml><?xml version="1.0" encoding="utf-8"?>
 <ds:datastoreItem xmlns:ds="http://schemas.openxmlformats.org/officeDocument/2006/customXml" ds:itemID="{2FC737D2-C1B5-44D0-A2B8-92C1B285B18D}">
   <ds:schemaRefs>
     <ds:schemaRef ds:uri="http://schemas.microsoft.com/office/2006/metadata/contentType"/>
@@ -25521,4 +25797,28 @@
     <ds:schemaRef ds:uri="http://schemas.microsoft.com/internal/obd"/>
   </ds:schemaRefs>
 </ds:datastoreItem>
+</file>
+
+<file path=customXml/itemProps2.xml><?xml version="1.0" encoding="utf-8"?>
+<ds:datastoreItem xmlns:ds="http://schemas.openxmlformats.org/officeDocument/2006/customXml" ds:itemID="{B72FCBA9-0E7F-4D64-B543-2B2870B85E8B}">
+  <ds:schemaRefs>
+    <ds:schemaRef ds:uri="http://schemas.microsoft.com/sharepoint/v3/contenttype/forms"/>
+  </ds:schemaRefs>
+</ds:datastoreItem>
+</file>
+
+<file path=customXml/itemProps3.xml><?xml version="1.0" encoding="utf-8"?>
+<ds:datastoreItem xmlns:ds="http://schemas.openxmlformats.org/officeDocument/2006/customXml" ds:itemID="{1B9FA1EF-CD23-4139-920B-9EDB05CD48C7}">
+  <ds:schemaRefs>
+    <ds:schemaRef ds:uri="http://purl.org/dc/terms/"/>
+    <ds:schemaRef ds:uri="a0705aab-28ed-4f14-9e72-801ff7570ecf"/>
+    <ds:schemaRef ds:uri="http://schemas.microsoft.com/office/infopath/2007/PartnerControls"/>
+    <ds:schemaRef ds:uri="http://purl.org/dc/elements/1.1/"/>
+    <ds:schemaRef ds:uri="http://purl.org/dc/dcmitype/"/>
+    <ds:schemaRef ds:uri="http://schemas.microsoft.com/office/2006/documentManagement/types"/>
+    <ds:schemaRef ds:uri="http://schemas.openxmlformats.org/package/2006/metadata/core-properties"/>
+    <ds:schemaRef ds:uri="http://schemas.microsoft.com/office/2006/metadata/properties"/>
+    <ds:schemaRef ds:uri="http://www.w3.org/XML/1998/namespace"/>
+  </ds:schemaRefs>
+</ds:datastoreItem>
 </file>